--- a/TZ.pptx
+++ b/TZ.pptx
@@ -6,6 +6,14 @@
   </p:sldMasterIdLst>
   <p:sldIdLst>
     <p:sldId id="256" r:id="rId2"/>
+    <p:sldId id="257" r:id="rId3"/>
+    <p:sldId id="258" r:id="rId4"/>
+    <p:sldId id="259" r:id="rId5"/>
+    <p:sldId id="260" r:id="rId6"/>
+    <p:sldId id="262" r:id="rId7"/>
+    <p:sldId id="263" r:id="rId8"/>
+    <p:sldId id="264" r:id="rId9"/>
+    <p:sldId id="261" r:id="rId10"/>
   </p:sldIdLst>
   <p:sldSz cx="12192000" cy="6858000"/>
   <p:notesSz cx="6858000" cy="9144000"/>
@@ -104,6 +112,11 @@
       </a:defRPr>
     </a:lvl9pPr>
   </p:defaultTextStyle>
+  <p:extLst>
+    <p:ext uri="{EFAFB233-063F-42B5-8137-9DF3F51BA10A}">
+      <p15:sldGuideLst xmlns:p15="http://schemas.microsoft.com/office/powerpoint/2012/main"/>
+    </p:ext>
+  </p:extLst>
 </p:presentation>
 </file>
 
@@ -3337,12 +3350,22 @@
             <p:ph type="ctrTitle"/>
           </p:nvPr>
         </p:nvSpPr>
-        <p:spPr/>
-        <p:txBody>
-          <a:bodyPr/>
-          <a:lstStyle/>
-          <a:p>
-            <a:endParaRPr lang="ru-RU"/>
+        <p:spPr>
+          <a:xfrm>
+            <a:off x="1524000" y="201612"/>
+            <a:ext cx="9144000" cy="2387600"/>
+          </a:xfrm>
+        </p:spPr>
+        <p:txBody>
+          <a:bodyPr>
+            <a:normAutofit fontScale="90000"/>
+          </a:bodyPr>
+          <a:lstStyle/>
+          <a:p>
+            <a:r>
+              <a:rPr lang="ru-RU" dirty="0"/>
+              <a:t>Курсовой проект по теме «Таймер обратного отсчёта»</a:t>
+            </a:r>
           </a:p>
         </p:txBody>
       </p:sp>
@@ -3362,12 +3385,63 @@
             <p:ph type="subTitle" idx="1"/>
           </p:nvPr>
         </p:nvSpPr>
-        <p:spPr/>
-        <p:txBody>
-          <a:bodyPr/>
-          <a:lstStyle/>
-          <a:p>
-            <a:endParaRPr lang="ru-RU"/>
+        <p:spPr>
+          <a:xfrm>
+            <a:off x="1524000" y="2754313"/>
+            <a:ext cx="9144000" cy="1655762"/>
+          </a:xfrm>
+        </p:spPr>
+        <p:txBody>
+          <a:bodyPr/>
+          <a:lstStyle/>
+          <a:p>
+            <a:r>
+              <a:rPr lang="ru-RU" dirty="0"/>
+              <a:t>По курсу «Программирование встроенных приложений»</a:t>
+            </a:r>
+          </a:p>
+        </p:txBody>
+      </p:sp>
+      <p:sp>
+        <p:nvSpPr>
+          <p:cNvPr id="7" name="TextBox 6">
+            <a:extLst>
+              <a:ext uri="{FF2B5EF4-FFF2-40B4-BE49-F238E27FC236}">
+                <a16:creationId xmlns:a16="http://schemas.microsoft.com/office/drawing/2014/main" id="{21CC950F-30EE-482E-833C-FE1E226E5DEC}"/>
+              </a:ext>
+            </a:extLst>
+          </p:cNvPr>
+          <p:cNvSpPr txBox="1"/>
+          <p:nvPr/>
+        </p:nvSpPr>
+        <p:spPr>
+          <a:xfrm>
+            <a:off x="466724" y="5362575"/>
+            <a:ext cx="7924801" cy="830997"/>
+          </a:xfrm>
+          <a:prstGeom prst="rect">
+            <a:avLst/>
+          </a:prstGeom>
+          <a:noFill/>
+        </p:spPr>
+        <p:txBody>
+          <a:bodyPr wrap="square">
+            <a:spAutoFit/>
+          </a:bodyPr>
+          <a:lstStyle/>
+          <a:p>
+            <a:r>
+              <a:rPr lang="ru-RU" sz="2400" dirty="0"/>
+              <a:t>Работу выполняют А. </a:t>
+            </a:r>
+            <a:r>
+              <a:rPr lang="ru-RU" sz="2400" dirty="0" err="1"/>
+              <a:t>Вилюмсон</a:t>
+            </a:r>
+            <a:r>
+              <a:rPr lang="ru-RU" sz="2400" dirty="0"/>
+              <a:t>, Е. Николаев, В. Некрасов. Группа 4136</a:t>
+            </a:r>
           </a:p>
         </p:txBody>
       </p:sp>
@@ -3375,6 +3449,1090 @@
     <p:extLst>
       <p:ext uri="{BB962C8B-B14F-4D97-AF65-F5344CB8AC3E}">
         <p14:creationId xmlns:p14="http://schemas.microsoft.com/office/powerpoint/2010/main" val="3274260455"/>
+      </p:ext>
+    </p:extLst>
+  </p:cSld>
+  <p:clrMapOvr>
+    <a:masterClrMapping/>
+  </p:clrMapOvr>
+</p:sld>
+</file>
+
+<file path=ppt/slides/slide2.xml><?xml version="1.0" encoding="utf-8"?>
+<p:sld xmlns:a="http://schemas.openxmlformats.org/drawingml/2006/main" xmlns:r="http://schemas.openxmlformats.org/officeDocument/2006/relationships" xmlns:p="http://schemas.openxmlformats.org/presentationml/2006/main">
+  <p:cSld>
+    <p:spTree>
+      <p:nvGrpSpPr>
+        <p:cNvPr id="1" name=""/>
+        <p:cNvGrpSpPr/>
+        <p:nvPr/>
+      </p:nvGrpSpPr>
+      <p:grpSpPr>
+        <a:xfrm>
+          <a:off x="0" y="0"/>
+          <a:ext cx="0" cy="0"/>
+          <a:chOff x="0" y="0"/>
+          <a:chExt cx="0" cy="0"/>
+        </a:xfrm>
+      </p:grpSpPr>
+      <p:sp>
+        <p:nvSpPr>
+          <p:cNvPr id="2" name="Заголовок 1">
+            <a:extLst>
+              <a:ext uri="{FF2B5EF4-FFF2-40B4-BE49-F238E27FC236}">
+                <a16:creationId xmlns:a16="http://schemas.microsoft.com/office/drawing/2014/main" id="{D1B532BB-691E-4FB1-B141-CCA8F8014BB0}"/>
+              </a:ext>
+            </a:extLst>
+          </p:cNvPr>
+          <p:cNvSpPr>
+            <a:spLocks noGrp="1"/>
+          </p:cNvSpPr>
+          <p:nvPr>
+            <p:ph type="title"/>
+          </p:nvPr>
+        </p:nvSpPr>
+        <p:spPr/>
+        <p:txBody>
+          <a:bodyPr/>
+          <a:lstStyle/>
+          <a:p>
+            <a:r>
+              <a:rPr lang="ru-RU" dirty="0"/>
+              <a:t>Задание</a:t>
+            </a:r>
+          </a:p>
+        </p:txBody>
+      </p:sp>
+      <p:sp>
+        <p:nvSpPr>
+          <p:cNvPr id="4" name="TextBox 3">
+            <a:extLst>
+              <a:ext uri="{FF2B5EF4-FFF2-40B4-BE49-F238E27FC236}">
+                <a16:creationId xmlns:a16="http://schemas.microsoft.com/office/drawing/2014/main" id="{54F11204-B559-48FE-AEFF-EEE8831CE4A8}"/>
+              </a:ext>
+            </a:extLst>
+          </p:cNvPr>
+          <p:cNvSpPr txBox="1"/>
+          <p:nvPr/>
+        </p:nvSpPr>
+        <p:spPr>
+          <a:xfrm>
+            <a:off x="733425" y="2824163"/>
+            <a:ext cx="11087100" cy="2308324"/>
+          </a:xfrm>
+          <a:prstGeom prst="rect">
+            <a:avLst/>
+          </a:prstGeom>
+          <a:noFill/>
+        </p:spPr>
+        <p:txBody>
+          <a:bodyPr wrap="square">
+            <a:spAutoFit/>
+          </a:bodyPr>
+          <a:lstStyle/>
+          <a:p>
+            <a:pPr algn="just"/>
+            <a:r>
+              <a:rPr lang="ru-RU" sz="2400" b="0" i="0" u="none" strike="noStrike" baseline="0" dirty="0">
+                <a:solidFill>
+                  <a:srgbClr val="000000"/>
+                </a:solidFill>
+                <a:latin typeface="Times New Roman" panose="02020603050405020304" pitchFamily="18" charset="0"/>
+              </a:rPr>
+              <a:t>На основе </a:t>
+            </a:r>
+            <a:r>
+              <a:rPr lang="ru-RU" sz="2400" b="0" i="0" u="none" strike="noStrike" baseline="0" dirty="0" err="1">
+                <a:solidFill>
+                  <a:srgbClr val="000000"/>
+                </a:solidFill>
+                <a:latin typeface="Times New Roman" panose="02020603050405020304" pitchFamily="18" charset="0"/>
+              </a:rPr>
+              <a:t>Keypad</a:t>
+            </a:r>
+            <a:r>
+              <a:rPr lang="ru-RU" sz="2400" b="0" i="0" u="none" strike="noStrike" baseline="0" dirty="0">
+                <a:solidFill>
+                  <a:srgbClr val="000000"/>
+                </a:solidFill>
+                <a:latin typeface="Times New Roman" panose="02020603050405020304" pitchFamily="18" charset="0"/>
+              </a:rPr>
+              <a:t> 4x4 и LCD 320x240 реализовать таймер обратного отсчёта времени (от 2 сек. до 10 мин), с выводом каждой десятой секунды обратный отсчет. Во время работы мигать светодиодом с частотой 2 Гц. По истечению времени перестать мигать и включать зуммер. Ввод времени осуществлять через </a:t>
+            </a:r>
+            <a:r>
+              <a:rPr lang="ru-RU" sz="2400" b="0" i="0" u="none" strike="noStrike" baseline="0" dirty="0" err="1">
+                <a:solidFill>
+                  <a:srgbClr val="000000"/>
+                </a:solidFill>
+                <a:latin typeface="Times New Roman" panose="02020603050405020304" pitchFamily="18" charset="0"/>
+              </a:rPr>
+              <a:t>Keypad</a:t>
+            </a:r>
+            <a:r>
+              <a:rPr lang="ru-RU" sz="2400" b="0" i="0" u="none" strike="noStrike" baseline="0" dirty="0">
+                <a:solidFill>
+                  <a:srgbClr val="000000"/>
+                </a:solidFill>
+                <a:latin typeface="Times New Roman" panose="02020603050405020304" pitchFamily="18" charset="0"/>
+              </a:rPr>
+              <a:t>. Какие кнопки использовать, и какими функциями наделить решить самостоятельно. 	</a:t>
+            </a:r>
+          </a:p>
+        </p:txBody>
+      </p:sp>
+      <p:sp>
+        <p:nvSpPr>
+          <p:cNvPr id="6" name="TextBox 5">
+            <a:extLst>
+              <a:ext uri="{FF2B5EF4-FFF2-40B4-BE49-F238E27FC236}">
+                <a16:creationId xmlns:a16="http://schemas.microsoft.com/office/drawing/2014/main" id="{A77AD209-C396-42E1-AAD5-816440DDE7F2}"/>
+              </a:ext>
+            </a:extLst>
+          </p:cNvPr>
+          <p:cNvSpPr txBox="1"/>
+          <p:nvPr/>
+        </p:nvSpPr>
+        <p:spPr>
+          <a:xfrm>
+            <a:off x="733425" y="1429078"/>
+            <a:ext cx="8915400" cy="523220"/>
+          </a:xfrm>
+          <a:prstGeom prst="rect">
+            <a:avLst/>
+          </a:prstGeom>
+          <a:noFill/>
+        </p:spPr>
+        <p:txBody>
+          <a:bodyPr wrap="square">
+            <a:spAutoFit/>
+          </a:bodyPr>
+          <a:lstStyle/>
+          <a:p>
+            <a:r>
+              <a:rPr lang="ru-RU" sz="2800" b="0" i="0" u="none" strike="noStrike" baseline="0" dirty="0">
+                <a:solidFill>
+                  <a:srgbClr val="000000"/>
+                </a:solidFill>
+                <a:latin typeface="Times New Roman" panose="02020603050405020304" pitchFamily="18" charset="0"/>
+              </a:rPr>
+              <a:t>Вариант 24.	</a:t>
+            </a:r>
+            <a:r>
+              <a:rPr lang="ru-RU" sz="2800" b="1" i="0" u="none" strike="noStrike" baseline="0" dirty="0">
+                <a:solidFill>
+                  <a:srgbClr val="000000"/>
+                </a:solidFill>
+                <a:latin typeface="Times New Roman" panose="02020603050405020304" pitchFamily="18" charset="0"/>
+              </a:rPr>
+              <a:t>Таймер обратного отсчёта. </a:t>
+            </a:r>
+          </a:p>
+        </p:txBody>
+      </p:sp>
+    </p:spTree>
+    <p:extLst>
+      <p:ext uri="{BB962C8B-B14F-4D97-AF65-F5344CB8AC3E}">
+        <p14:creationId xmlns:p14="http://schemas.microsoft.com/office/powerpoint/2010/main" val="1141868490"/>
+      </p:ext>
+    </p:extLst>
+  </p:cSld>
+  <p:clrMapOvr>
+    <a:masterClrMapping/>
+  </p:clrMapOvr>
+</p:sld>
+</file>
+
+<file path=ppt/slides/slide3.xml><?xml version="1.0" encoding="utf-8"?>
+<p:sld xmlns:a="http://schemas.openxmlformats.org/drawingml/2006/main" xmlns:r="http://schemas.openxmlformats.org/officeDocument/2006/relationships" xmlns:p="http://schemas.openxmlformats.org/presentationml/2006/main">
+  <p:cSld>
+    <p:spTree>
+      <p:nvGrpSpPr>
+        <p:cNvPr id="1" name=""/>
+        <p:cNvGrpSpPr/>
+        <p:nvPr/>
+      </p:nvGrpSpPr>
+      <p:grpSpPr>
+        <a:xfrm>
+          <a:off x="0" y="0"/>
+          <a:ext cx="0" cy="0"/>
+          <a:chOff x="0" y="0"/>
+          <a:chExt cx="0" cy="0"/>
+        </a:xfrm>
+      </p:grpSpPr>
+      <p:sp>
+        <p:nvSpPr>
+          <p:cNvPr id="2" name="Заголовок 1">
+            <a:extLst>
+              <a:ext uri="{FF2B5EF4-FFF2-40B4-BE49-F238E27FC236}">
+                <a16:creationId xmlns:a16="http://schemas.microsoft.com/office/drawing/2014/main" id="{1B7843C9-584B-4465-A8A9-79DD9694B9FD}"/>
+              </a:ext>
+            </a:extLst>
+          </p:cNvPr>
+          <p:cNvSpPr>
+            <a:spLocks noGrp="1"/>
+          </p:cNvSpPr>
+          <p:nvPr>
+            <p:ph type="title"/>
+          </p:nvPr>
+        </p:nvSpPr>
+        <p:spPr/>
+        <p:txBody>
+          <a:bodyPr/>
+          <a:lstStyle/>
+          <a:p>
+            <a:r>
+              <a:rPr lang="ru-RU" dirty="0"/>
+              <a:t>Диаграмма использования</a:t>
+            </a:r>
+          </a:p>
+        </p:txBody>
+      </p:sp>
+      <p:pic>
+        <p:nvPicPr>
+          <p:cNvPr id="9" name="Объект 8">
+            <a:extLst>
+              <a:ext uri="{FF2B5EF4-FFF2-40B4-BE49-F238E27FC236}">
+                <a16:creationId xmlns:a16="http://schemas.microsoft.com/office/drawing/2014/main" id="{6B7CD604-FE95-446A-813F-A80054D54FD0}"/>
+              </a:ext>
+            </a:extLst>
+          </p:cNvPr>
+          <p:cNvPicPr>
+            <a:picLocks noGrp="1" noChangeAspect="1"/>
+          </p:cNvPicPr>
+          <p:nvPr>
+            <p:ph idx="1"/>
+          </p:nvPr>
+        </p:nvPicPr>
+        <p:blipFill>
+          <a:blip r:embed="rId2">
+            <a:extLst>
+              <a:ext uri="{28A0092B-C50C-407E-A947-70E740481C1C}">
+                <a14:useLocalDpi xmlns:a14="http://schemas.microsoft.com/office/drawing/2010/main" val="0"/>
+              </a:ext>
+            </a:extLst>
+          </a:blip>
+          <a:stretch>
+            <a:fillRect/>
+          </a:stretch>
+        </p:blipFill>
+        <p:spPr>
+          <a:xfrm>
+            <a:off x="2812539" y="1409121"/>
+            <a:ext cx="6566922" cy="5083754"/>
+          </a:xfrm>
+        </p:spPr>
+      </p:pic>
+    </p:spTree>
+    <p:extLst>
+      <p:ext uri="{BB962C8B-B14F-4D97-AF65-F5344CB8AC3E}">
+        <p14:creationId xmlns:p14="http://schemas.microsoft.com/office/powerpoint/2010/main" val="3199276469"/>
+      </p:ext>
+    </p:extLst>
+  </p:cSld>
+  <p:clrMapOvr>
+    <a:masterClrMapping/>
+  </p:clrMapOvr>
+</p:sld>
+</file>
+
+<file path=ppt/slides/slide4.xml><?xml version="1.0" encoding="utf-8"?>
+<p:sld xmlns:a="http://schemas.openxmlformats.org/drawingml/2006/main" xmlns:r="http://schemas.openxmlformats.org/officeDocument/2006/relationships" xmlns:p="http://schemas.openxmlformats.org/presentationml/2006/main">
+  <p:cSld>
+    <p:spTree>
+      <p:nvGrpSpPr>
+        <p:cNvPr id="1" name=""/>
+        <p:cNvGrpSpPr/>
+        <p:nvPr/>
+      </p:nvGrpSpPr>
+      <p:grpSpPr>
+        <a:xfrm>
+          <a:off x="0" y="0"/>
+          <a:ext cx="0" cy="0"/>
+          <a:chOff x="0" y="0"/>
+          <a:chExt cx="0" cy="0"/>
+        </a:xfrm>
+      </p:grpSpPr>
+      <p:sp>
+        <p:nvSpPr>
+          <p:cNvPr id="2" name="Заголовок 1">
+            <a:extLst>
+              <a:ext uri="{FF2B5EF4-FFF2-40B4-BE49-F238E27FC236}">
+                <a16:creationId xmlns:a16="http://schemas.microsoft.com/office/drawing/2014/main" id="{016BAA9E-58E2-421C-9497-6D69F13B8AE1}"/>
+              </a:ext>
+            </a:extLst>
+          </p:cNvPr>
+          <p:cNvSpPr>
+            <a:spLocks noGrp="1"/>
+          </p:cNvSpPr>
+          <p:nvPr>
+            <p:ph type="title"/>
+          </p:nvPr>
+        </p:nvSpPr>
+        <p:spPr/>
+        <p:txBody>
+          <a:bodyPr/>
+          <a:lstStyle/>
+          <a:p>
+            <a:r>
+              <a:rPr lang="ru-RU" dirty="0"/>
+              <a:t>Пользовательский интерфейс</a:t>
+            </a:r>
+          </a:p>
+        </p:txBody>
+      </p:sp>
+      <p:pic>
+        <p:nvPicPr>
+          <p:cNvPr id="5" name="Объект 4">
+            <a:extLst>
+              <a:ext uri="{FF2B5EF4-FFF2-40B4-BE49-F238E27FC236}">
+                <a16:creationId xmlns:a16="http://schemas.microsoft.com/office/drawing/2014/main" id="{36C66332-FF1C-491A-B211-0E9230B12BC9}"/>
+              </a:ext>
+            </a:extLst>
+          </p:cNvPr>
+          <p:cNvPicPr>
+            <a:picLocks noGrp="1" noChangeAspect="1"/>
+          </p:cNvPicPr>
+          <p:nvPr>
+            <p:ph idx="1"/>
+          </p:nvPr>
+        </p:nvPicPr>
+        <p:blipFill>
+          <a:blip r:embed="rId2"/>
+          <a:stretch>
+            <a:fillRect/>
+          </a:stretch>
+        </p:blipFill>
+        <p:spPr>
+          <a:xfrm>
+            <a:off x="985531" y="1690688"/>
+            <a:ext cx="2551979" cy="1500187"/>
+          </a:xfrm>
+        </p:spPr>
+      </p:pic>
+      <p:sp>
+        <p:nvSpPr>
+          <p:cNvPr id="6" name="TextBox 5">
+            <a:extLst>
+              <a:ext uri="{FF2B5EF4-FFF2-40B4-BE49-F238E27FC236}">
+                <a16:creationId xmlns:a16="http://schemas.microsoft.com/office/drawing/2014/main" id="{4FDD1BC4-D56B-46C1-8E58-2038F14ACFC4}"/>
+              </a:ext>
+            </a:extLst>
+          </p:cNvPr>
+          <p:cNvSpPr txBox="1"/>
+          <p:nvPr/>
+        </p:nvSpPr>
+        <p:spPr>
+          <a:xfrm>
+            <a:off x="838201" y="3505200"/>
+            <a:ext cx="5029200" cy="1477328"/>
+          </a:xfrm>
+          <a:prstGeom prst="rect">
+            <a:avLst/>
+          </a:prstGeom>
+          <a:noFill/>
+        </p:spPr>
+        <p:txBody>
+          <a:bodyPr wrap="square" rtlCol="0">
+            <a:spAutoFit/>
+          </a:bodyPr>
+          <a:lstStyle/>
+          <a:p>
+            <a:r>
+              <a:rPr lang="ru-RU" dirty="0"/>
+              <a:t>Назначение клавиш:</a:t>
+            </a:r>
+            <a:br>
+              <a:rPr lang="ru-RU" dirty="0"/>
+            </a:br>
+            <a:r>
+              <a:rPr lang="ru-RU" dirty="0"/>
+              <a:t>1. </a:t>
+            </a:r>
+            <a:r>
+              <a:rPr lang="en-US" dirty="0"/>
+              <a:t>K1,K2,K3,K5,K6,K7,K9,K10,K11, K14 – </a:t>
+            </a:r>
+            <a:r>
+              <a:rPr lang="ru-RU" dirty="0"/>
+              <a:t>Числовая клавиатура (1,2,3,4,5,6,7,8,9,0 соответственно).</a:t>
+            </a:r>
+            <a:br>
+              <a:rPr lang="en-US" dirty="0"/>
+            </a:br>
+            <a:r>
+              <a:rPr lang="ru-RU" dirty="0"/>
+              <a:t>2. </a:t>
+            </a:r>
+            <a:r>
+              <a:rPr lang="en-US" dirty="0"/>
+              <a:t>K13</a:t>
+            </a:r>
+            <a:r>
+              <a:rPr lang="ru-RU" dirty="0"/>
+              <a:t> – Подтверждение ввода, запуск таймера.</a:t>
+            </a:r>
+            <a:br>
+              <a:rPr lang="en-US" dirty="0"/>
+            </a:br>
+            <a:r>
+              <a:rPr lang="ru-RU" dirty="0"/>
+              <a:t>3. </a:t>
+            </a:r>
+            <a:r>
+              <a:rPr lang="en-US" dirty="0"/>
+              <a:t>K15</a:t>
+            </a:r>
+            <a:r>
+              <a:rPr lang="ru-RU" dirty="0"/>
+              <a:t> – Сброс таймера (отмена).</a:t>
+            </a:r>
+          </a:p>
+        </p:txBody>
+      </p:sp>
+      <p:pic>
+        <p:nvPicPr>
+          <p:cNvPr id="8" name="Рисунок 7">
+            <a:extLst>
+              <a:ext uri="{FF2B5EF4-FFF2-40B4-BE49-F238E27FC236}">
+                <a16:creationId xmlns:a16="http://schemas.microsoft.com/office/drawing/2014/main" id="{85D2FD3B-A828-495D-AB66-76265C3CBD07}"/>
+              </a:ext>
+            </a:extLst>
+          </p:cNvPr>
+          <p:cNvPicPr>
+            <a:picLocks noChangeAspect="1"/>
+          </p:cNvPicPr>
+          <p:nvPr/>
+        </p:nvPicPr>
+        <p:blipFill>
+          <a:blip r:embed="rId3">
+            <a:extLst>
+              <a:ext uri="{28A0092B-C50C-407E-A947-70E740481C1C}">
+                <a14:useLocalDpi xmlns:a14="http://schemas.microsoft.com/office/drawing/2010/main" val="0"/>
+              </a:ext>
+            </a:extLst>
+          </a:blip>
+          <a:stretch>
+            <a:fillRect/>
+          </a:stretch>
+        </p:blipFill>
+        <p:spPr>
+          <a:xfrm>
+            <a:off x="6324601" y="3897035"/>
+            <a:ext cx="4656772" cy="2328386"/>
+          </a:xfrm>
+          <a:prstGeom prst="rect">
+            <a:avLst/>
+          </a:prstGeom>
+        </p:spPr>
+      </p:pic>
+      <p:sp>
+        <p:nvSpPr>
+          <p:cNvPr id="9" name="TextBox 8">
+            <a:extLst>
+              <a:ext uri="{FF2B5EF4-FFF2-40B4-BE49-F238E27FC236}">
+                <a16:creationId xmlns:a16="http://schemas.microsoft.com/office/drawing/2014/main" id="{15C42107-6B6A-4F57-B5BC-372177D51396}"/>
+              </a:ext>
+            </a:extLst>
+          </p:cNvPr>
+          <p:cNvSpPr txBox="1"/>
+          <p:nvPr/>
+        </p:nvSpPr>
+        <p:spPr>
+          <a:xfrm>
+            <a:off x="6324601" y="3429000"/>
+            <a:ext cx="4656772" cy="369332"/>
+          </a:xfrm>
+          <a:prstGeom prst="rect">
+            <a:avLst/>
+          </a:prstGeom>
+          <a:noFill/>
+        </p:spPr>
+        <p:txBody>
+          <a:bodyPr wrap="square" rtlCol="0">
+            <a:spAutoFit/>
+          </a:bodyPr>
+          <a:lstStyle/>
+          <a:p>
+            <a:r>
+              <a:rPr lang="ru-RU" dirty="0"/>
+              <a:t>Примерный вид отображения на экране.</a:t>
+            </a:r>
+          </a:p>
+        </p:txBody>
+      </p:sp>
+    </p:spTree>
+    <p:extLst>
+      <p:ext uri="{BB962C8B-B14F-4D97-AF65-F5344CB8AC3E}">
+        <p14:creationId xmlns:p14="http://schemas.microsoft.com/office/powerpoint/2010/main" val="3614542925"/>
+      </p:ext>
+    </p:extLst>
+  </p:cSld>
+  <p:clrMapOvr>
+    <a:masterClrMapping/>
+  </p:clrMapOvr>
+</p:sld>
+</file>
+
+<file path=ppt/slides/slide5.xml><?xml version="1.0" encoding="utf-8"?>
+<p:sld xmlns:a="http://schemas.openxmlformats.org/drawingml/2006/main" xmlns:r="http://schemas.openxmlformats.org/officeDocument/2006/relationships" xmlns:p="http://schemas.openxmlformats.org/presentationml/2006/main">
+  <p:cSld>
+    <p:spTree>
+      <p:nvGrpSpPr>
+        <p:cNvPr id="1" name=""/>
+        <p:cNvGrpSpPr/>
+        <p:nvPr/>
+      </p:nvGrpSpPr>
+      <p:grpSpPr>
+        <a:xfrm>
+          <a:off x="0" y="0"/>
+          <a:ext cx="0" cy="0"/>
+          <a:chOff x="0" y="0"/>
+          <a:chExt cx="0" cy="0"/>
+        </a:xfrm>
+      </p:grpSpPr>
+      <p:sp>
+        <p:nvSpPr>
+          <p:cNvPr id="2" name="Заголовок 1">
+            <a:extLst>
+              <a:ext uri="{FF2B5EF4-FFF2-40B4-BE49-F238E27FC236}">
+                <a16:creationId xmlns:a16="http://schemas.microsoft.com/office/drawing/2014/main" id="{6CA152B0-D82D-4A0D-8DC4-6B323F1B71C0}"/>
+              </a:ext>
+            </a:extLst>
+          </p:cNvPr>
+          <p:cNvSpPr>
+            <a:spLocks noGrp="1"/>
+          </p:cNvSpPr>
+          <p:nvPr>
+            <p:ph type="title"/>
+          </p:nvPr>
+        </p:nvSpPr>
+        <p:spPr/>
+        <p:txBody>
+          <a:bodyPr/>
+          <a:lstStyle/>
+          <a:p>
+            <a:r>
+              <a:rPr lang="ru-RU" dirty="0"/>
+              <a:t>Основные требования</a:t>
+            </a:r>
+          </a:p>
+        </p:txBody>
+      </p:sp>
+      <p:sp>
+        <p:nvSpPr>
+          <p:cNvPr id="3" name="Объект 2">
+            <a:extLst>
+              <a:ext uri="{FF2B5EF4-FFF2-40B4-BE49-F238E27FC236}">
+                <a16:creationId xmlns:a16="http://schemas.microsoft.com/office/drawing/2014/main" id="{61253B6D-F097-4003-896E-E1E219D23024}"/>
+              </a:ext>
+            </a:extLst>
+          </p:cNvPr>
+          <p:cNvSpPr>
+            <a:spLocks noGrp="1"/>
+          </p:cNvSpPr>
+          <p:nvPr>
+            <p:ph idx="1"/>
+          </p:nvPr>
+        </p:nvSpPr>
+        <p:spPr>
+          <a:xfrm>
+            <a:off x="838199" y="1825625"/>
+            <a:ext cx="10734675" cy="4351338"/>
+          </a:xfrm>
+        </p:spPr>
+        <p:txBody>
+          <a:bodyPr/>
+          <a:lstStyle/>
+          <a:p>
+            <a:r>
+              <a:rPr lang="ru-RU" dirty="0"/>
+              <a:t>Входы - </a:t>
+            </a:r>
+            <a:r>
+              <a:rPr lang="ru-RU" sz="2400" dirty="0"/>
+              <a:t>12 Кнопок(Числовая клавиатура, запуск и  сброс таймера).</a:t>
+            </a:r>
+          </a:p>
+          <a:p>
+            <a:r>
+              <a:rPr lang="ru-RU" dirty="0"/>
+              <a:t>Выходы – </a:t>
+            </a:r>
+            <a:r>
+              <a:rPr lang="ru-RU" sz="2400" dirty="0"/>
+              <a:t>Индикация 5 цифр в виде таймера вида </a:t>
+            </a:r>
+            <a:r>
+              <a:rPr lang="en-US" sz="2400" dirty="0"/>
+              <a:t>MM:SS.s</a:t>
+            </a:r>
+            <a:r>
+              <a:rPr lang="ru-RU" sz="2400" dirty="0"/>
+              <a:t> (</a:t>
+            </a:r>
+            <a:r>
+              <a:rPr lang="en-US" sz="2400" dirty="0"/>
+              <a:t>M – </a:t>
+            </a:r>
+            <a:r>
+              <a:rPr lang="ru-RU" sz="2400" dirty="0"/>
+              <a:t>минуты, </a:t>
+            </a:r>
+            <a:r>
+              <a:rPr lang="en-US" sz="2400" dirty="0"/>
+              <a:t>S – </a:t>
+            </a:r>
+            <a:r>
+              <a:rPr lang="ru-RU" sz="2400" dirty="0"/>
+              <a:t>секунды, </a:t>
+            </a:r>
+            <a:r>
+              <a:rPr lang="en-US" sz="2400" dirty="0"/>
+              <a:t>s – </a:t>
+            </a:r>
+            <a:r>
+              <a:rPr lang="ru-RU" sz="2400" dirty="0"/>
+              <a:t>десятые доли секунды)</a:t>
+            </a:r>
+            <a:r>
+              <a:rPr lang="en-US" sz="2400" dirty="0"/>
+              <a:t>; </a:t>
+            </a:r>
+            <a:r>
+              <a:rPr lang="ru-RU" sz="2400" dirty="0"/>
+              <a:t>Зуммер; Светодиод.</a:t>
+            </a:r>
+          </a:p>
+          <a:p>
+            <a:r>
+              <a:rPr lang="ru-RU" dirty="0"/>
+              <a:t>Функции – </a:t>
+            </a:r>
+            <a:r>
+              <a:rPr lang="ru-RU" sz="2400" dirty="0"/>
+              <a:t>Режим по умолчанию: отображается таймер со значением времени 00:00.0</a:t>
+            </a:r>
+            <a:r>
+              <a:rPr lang="en-US" sz="2400" dirty="0"/>
+              <a:t>. </a:t>
+            </a:r>
+            <a:r>
+              <a:rPr lang="ru-RU" sz="2400" dirty="0"/>
+              <a:t>При нажатии на числовую клавиатуру таймер постепенно заполняется введенными значениями. </a:t>
+            </a:r>
+            <a:br>
+              <a:rPr lang="ru-RU" sz="2400" dirty="0"/>
+            </a:br>
+            <a:r>
+              <a:rPr lang="ru-RU" sz="2400" dirty="0"/>
+              <a:t>При нажатии на кнопку запуска начинается обратный отсчет, каждую 0.1 секунды экран обновляет свое значение времени, мигает светодиод. При окончании обратного отчета включается зуммер.</a:t>
+            </a:r>
+            <a:br>
+              <a:rPr lang="ru-RU" sz="2400" dirty="0"/>
+            </a:br>
+            <a:r>
+              <a:rPr lang="ru-RU" sz="2400" dirty="0"/>
+              <a:t>Для отмены обратного отчета или сброса введенных значений необходимо нажать кнопку сброса.</a:t>
+            </a:r>
+            <a:endParaRPr lang="ru-RU" dirty="0"/>
+          </a:p>
+        </p:txBody>
+      </p:sp>
+    </p:spTree>
+    <p:extLst>
+      <p:ext uri="{BB962C8B-B14F-4D97-AF65-F5344CB8AC3E}">
+        <p14:creationId xmlns:p14="http://schemas.microsoft.com/office/powerpoint/2010/main" val="1625933356"/>
+      </p:ext>
+    </p:extLst>
+  </p:cSld>
+  <p:clrMapOvr>
+    <a:masterClrMapping/>
+  </p:clrMapOvr>
+</p:sld>
+</file>
+
+<file path=ppt/slides/slide6.xml><?xml version="1.0" encoding="utf-8"?>
+<p:sld xmlns:a="http://schemas.openxmlformats.org/drawingml/2006/main" xmlns:r="http://schemas.openxmlformats.org/officeDocument/2006/relationships" xmlns:p="http://schemas.openxmlformats.org/presentationml/2006/main">
+  <p:cSld>
+    <p:spTree>
+      <p:nvGrpSpPr>
+        <p:cNvPr id="1" name=""/>
+        <p:cNvGrpSpPr/>
+        <p:nvPr/>
+      </p:nvGrpSpPr>
+      <p:grpSpPr>
+        <a:xfrm>
+          <a:off x="0" y="0"/>
+          <a:ext cx="0" cy="0"/>
+          <a:chOff x="0" y="0"/>
+          <a:chExt cx="0" cy="0"/>
+        </a:xfrm>
+      </p:grpSpPr>
+      <p:sp>
+        <p:nvSpPr>
+          <p:cNvPr id="2" name="Заголовок 1">
+            <a:extLst>
+              <a:ext uri="{FF2B5EF4-FFF2-40B4-BE49-F238E27FC236}">
+                <a16:creationId xmlns:a16="http://schemas.microsoft.com/office/drawing/2014/main" id="{CD723C7F-301E-456C-972B-1A045C32214F}"/>
+              </a:ext>
+            </a:extLst>
+          </p:cNvPr>
+          <p:cNvSpPr>
+            <a:spLocks noGrp="1"/>
+          </p:cNvSpPr>
+          <p:nvPr>
+            <p:ph type="title"/>
+          </p:nvPr>
+        </p:nvSpPr>
+        <p:spPr>
+          <a:xfrm>
+            <a:off x="371475" y="146050"/>
+            <a:ext cx="10515600" cy="1325563"/>
+          </a:xfrm>
+        </p:spPr>
+        <p:txBody>
+          <a:bodyPr>
+            <a:normAutofit/>
+          </a:bodyPr>
+          <a:lstStyle/>
+          <a:p>
+            <a:r>
+              <a:rPr lang="ru-RU" sz="3600" dirty="0"/>
+              <a:t>Диаграмма последовательности взаимодействия</a:t>
+            </a:r>
+          </a:p>
+        </p:txBody>
+      </p:sp>
+      <p:pic>
+        <p:nvPicPr>
+          <p:cNvPr id="5" name="Объект 4">
+            <a:extLst>
+              <a:ext uri="{FF2B5EF4-FFF2-40B4-BE49-F238E27FC236}">
+                <a16:creationId xmlns:a16="http://schemas.microsoft.com/office/drawing/2014/main" id="{FED5EB92-0AA4-4B2E-B7A8-64CB76DFA116}"/>
+              </a:ext>
+            </a:extLst>
+          </p:cNvPr>
+          <p:cNvPicPr>
+            <a:picLocks noGrp="1" noChangeAspect="1"/>
+          </p:cNvPicPr>
+          <p:nvPr>
+            <p:ph idx="1"/>
+          </p:nvPr>
+        </p:nvPicPr>
+        <p:blipFill rotWithShape="1">
+          <a:blip r:embed="rId2">
+            <a:extLst>
+              <a:ext uri="{28A0092B-C50C-407E-A947-70E740481C1C}">
+                <a14:useLocalDpi xmlns:a14="http://schemas.microsoft.com/office/drawing/2010/main" val="0"/>
+              </a:ext>
+            </a:extLst>
+          </a:blip>
+          <a:srcRect b="56804"/>
+          <a:stretch/>
+        </p:blipFill>
+        <p:spPr>
+          <a:xfrm>
+            <a:off x="2971936" y="1266825"/>
+            <a:ext cx="6248127" cy="5152513"/>
+          </a:xfrm>
+        </p:spPr>
+      </p:pic>
+    </p:spTree>
+    <p:extLst>
+      <p:ext uri="{BB962C8B-B14F-4D97-AF65-F5344CB8AC3E}">
+        <p14:creationId xmlns:p14="http://schemas.microsoft.com/office/powerpoint/2010/main" val="2609377440"/>
+      </p:ext>
+    </p:extLst>
+  </p:cSld>
+  <p:clrMapOvr>
+    <a:masterClrMapping/>
+  </p:clrMapOvr>
+</p:sld>
+</file>
+
+<file path=ppt/slides/slide7.xml><?xml version="1.0" encoding="utf-8"?>
+<p:sld xmlns:a="http://schemas.openxmlformats.org/drawingml/2006/main" xmlns:r="http://schemas.openxmlformats.org/officeDocument/2006/relationships" xmlns:p="http://schemas.openxmlformats.org/presentationml/2006/main">
+  <p:cSld>
+    <p:spTree>
+      <p:nvGrpSpPr>
+        <p:cNvPr id="1" name=""/>
+        <p:cNvGrpSpPr/>
+        <p:nvPr/>
+      </p:nvGrpSpPr>
+      <p:grpSpPr>
+        <a:xfrm>
+          <a:off x="0" y="0"/>
+          <a:ext cx="0" cy="0"/>
+          <a:chOff x="0" y="0"/>
+          <a:chExt cx="0" cy="0"/>
+        </a:xfrm>
+      </p:grpSpPr>
+      <p:sp>
+        <p:nvSpPr>
+          <p:cNvPr id="2" name="Заголовок 1">
+            <a:extLst>
+              <a:ext uri="{FF2B5EF4-FFF2-40B4-BE49-F238E27FC236}">
+                <a16:creationId xmlns:a16="http://schemas.microsoft.com/office/drawing/2014/main" id="{CD723C7F-301E-456C-972B-1A045C32214F}"/>
+              </a:ext>
+            </a:extLst>
+          </p:cNvPr>
+          <p:cNvSpPr>
+            <a:spLocks noGrp="1"/>
+          </p:cNvSpPr>
+          <p:nvPr>
+            <p:ph type="title"/>
+          </p:nvPr>
+        </p:nvSpPr>
+        <p:spPr>
+          <a:xfrm>
+            <a:off x="371475" y="146050"/>
+            <a:ext cx="10515600" cy="1325563"/>
+          </a:xfrm>
+        </p:spPr>
+        <p:txBody>
+          <a:bodyPr>
+            <a:normAutofit/>
+          </a:bodyPr>
+          <a:lstStyle/>
+          <a:p>
+            <a:r>
+              <a:rPr lang="ru-RU" sz="3600" dirty="0"/>
+              <a:t>Диаграмма последовательности взаимодействия</a:t>
+            </a:r>
+          </a:p>
+        </p:txBody>
+      </p:sp>
+      <p:pic>
+        <p:nvPicPr>
+          <p:cNvPr id="7" name="Объект 6">
+            <a:extLst>
+              <a:ext uri="{FF2B5EF4-FFF2-40B4-BE49-F238E27FC236}">
+                <a16:creationId xmlns:a16="http://schemas.microsoft.com/office/drawing/2014/main" id="{52630E0C-9825-4E45-B482-B3A563B3CAE8}"/>
+              </a:ext>
+            </a:extLst>
+          </p:cNvPr>
+          <p:cNvPicPr>
+            <a:picLocks noGrp="1" noChangeAspect="1"/>
+          </p:cNvPicPr>
+          <p:nvPr>
+            <p:ph idx="1"/>
+          </p:nvPr>
+        </p:nvPicPr>
+        <p:blipFill rotWithShape="1">
+          <a:blip r:embed="rId2">
+            <a:extLst>
+              <a:ext uri="{28A0092B-C50C-407E-A947-70E740481C1C}">
+                <a14:useLocalDpi xmlns:a14="http://schemas.microsoft.com/office/drawing/2010/main" val="0"/>
+              </a:ext>
+            </a:extLst>
+          </a:blip>
+          <a:srcRect t="42758"/>
+          <a:stretch/>
+        </p:blipFill>
+        <p:spPr>
+          <a:xfrm>
+            <a:off x="3124200" y="1070474"/>
+            <a:ext cx="5162406" cy="5641476"/>
+          </a:xfrm>
+        </p:spPr>
+      </p:pic>
+    </p:spTree>
+    <p:extLst>
+      <p:ext uri="{BB962C8B-B14F-4D97-AF65-F5344CB8AC3E}">
+        <p14:creationId xmlns:p14="http://schemas.microsoft.com/office/powerpoint/2010/main" val="2849600898"/>
+      </p:ext>
+    </p:extLst>
+  </p:cSld>
+  <p:clrMapOvr>
+    <a:masterClrMapping/>
+  </p:clrMapOvr>
+</p:sld>
+</file>
+
+<file path=ppt/slides/slide8.xml><?xml version="1.0" encoding="utf-8"?>
+<p:sld xmlns:a="http://schemas.openxmlformats.org/drawingml/2006/main" xmlns:r="http://schemas.openxmlformats.org/officeDocument/2006/relationships" xmlns:p="http://schemas.openxmlformats.org/presentationml/2006/main">
+  <p:cSld>
+    <p:spTree>
+      <p:nvGrpSpPr>
+        <p:cNvPr id="1" name=""/>
+        <p:cNvGrpSpPr/>
+        <p:nvPr/>
+      </p:nvGrpSpPr>
+      <p:grpSpPr>
+        <a:xfrm>
+          <a:off x="0" y="0"/>
+          <a:ext cx="0" cy="0"/>
+          <a:chOff x="0" y="0"/>
+          <a:chExt cx="0" cy="0"/>
+        </a:xfrm>
+      </p:grpSpPr>
+      <p:sp>
+        <p:nvSpPr>
+          <p:cNvPr id="2" name="Заголовок 1">
+            <a:extLst>
+              <a:ext uri="{FF2B5EF4-FFF2-40B4-BE49-F238E27FC236}">
+                <a16:creationId xmlns:a16="http://schemas.microsoft.com/office/drawing/2014/main" id="{5D373DEE-052F-4715-B7CF-168757FBDA23}"/>
+              </a:ext>
+            </a:extLst>
+          </p:cNvPr>
+          <p:cNvSpPr>
+            <a:spLocks noGrp="1"/>
+          </p:cNvSpPr>
+          <p:nvPr>
+            <p:ph type="title"/>
+          </p:nvPr>
+        </p:nvSpPr>
+        <p:spPr/>
+        <p:txBody>
+          <a:bodyPr/>
+          <a:lstStyle/>
+          <a:p>
+            <a:r>
+              <a:rPr lang="ru-RU" dirty="0"/>
+              <a:t>Выводы по диаграмме</a:t>
+            </a:r>
+          </a:p>
+        </p:txBody>
+      </p:sp>
+      <p:sp>
+        <p:nvSpPr>
+          <p:cNvPr id="3" name="Объект 2">
+            <a:extLst>
+              <a:ext uri="{FF2B5EF4-FFF2-40B4-BE49-F238E27FC236}">
+                <a16:creationId xmlns:a16="http://schemas.microsoft.com/office/drawing/2014/main" id="{84F822B5-4B5F-4C5E-B946-AE7653F103E0}"/>
+              </a:ext>
+            </a:extLst>
+          </p:cNvPr>
+          <p:cNvSpPr>
+            <a:spLocks noGrp="1"/>
+          </p:cNvSpPr>
+          <p:nvPr>
+            <p:ph idx="1"/>
+          </p:nvPr>
+        </p:nvSpPr>
+        <p:spPr/>
+        <p:txBody>
+          <a:bodyPr>
+            <a:normAutofit/>
+          </a:bodyPr>
+          <a:lstStyle/>
+          <a:p>
+            <a:r>
+              <a:rPr lang="ru-RU" dirty="0"/>
+              <a:t> Необходимо использовать прерывания для инициации обработки нажатия кнопок. Каждая кнопка ( -9 будет присоединена к соответствующей линии (PA0 – PA9).</a:t>
+            </a:r>
+          </a:p>
+          <a:p>
+            <a:r>
+              <a:rPr lang="ru-RU" dirty="0"/>
+              <a:t>Необходим таймер для отсчета времени. Для этого будем использовать системный таймер, счетчик задержки и обработчик прерываний системного таймера.</a:t>
+            </a:r>
+          </a:p>
+          <a:p>
+            <a:r>
+              <a:rPr lang="ru-RU" dirty="0"/>
+              <a:t>Для работы дисплея необходима настройка линий шины(интерфейса). </a:t>
+            </a:r>
+          </a:p>
+        </p:txBody>
+      </p:sp>
+    </p:spTree>
+    <p:extLst>
+      <p:ext uri="{BB962C8B-B14F-4D97-AF65-F5344CB8AC3E}">
+        <p14:creationId xmlns:p14="http://schemas.microsoft.com/office/powerpoint/2010/main" val="2940500409"/>
+      </p:ext>
+    </p:extLst>
+  </p:cSld>
+  <p:clrMapOvr>
+    <a:masterClrMapping/>
+  </p:clrMapOvr>
+</p:sld>
+</file>
+
+<file path=ppt/slides/slide9.xml><?xml version="1.0" encoding="utf-8"?>
+<p:sld xmlns:a="http://schemas.openxmlformats.org/drawingml/2006/main" xmlns:r="http://schemas.openxmlformats.org/officeDocument/2006/relationships" xmlns:p="http://schemas.openxmlformats.org/presentationml/2006/main">
+  <p:cSld>
+    <p:spTree>
+      <p:nvGrpSpPr>
+        <p:cNvPr id="1" name=""/>
+        <p:cNvGrpSpPr/>
+        <p:nvPr/>
+      </p:nvGrpSpPr>
+      <p:grpSpPr>
+        <a:xfrm>
+          <a:off x="0" y="0"/>
+          <a:ext cx="0" cy="0"/>
+          <a:chOff x="0" y="0"/>
+          <a:chExt cx="0" cy="0"/>
+        </a:xfrm>
+      </p:grpSpPr>
+      <p:sp>
+        <p:nvSpPr>
+          <p:cNvPr id="2" name="Заголовок 1">
+            <a:extLst>
+              <a:ext uri="{FF2B5EF4-FFF2-40B4-BE49-F238E27FC236}">
+                <a16:creationId xmlns:a16="http://schemas.microsoft.com/office/drawing/2014/main" id="{CA8057D8-2A5C-4D88-8F30-227562F13BFF}"/>
+              </a:ext>
+            </a:extLst>
+          </p:cNvPr>
+          <p:cNvSpPr>
+            <a:spLocks noGrp="1"/>
+          </p:cNvSpPr>
+          <p:nvPr>
+            <p:ph type="title"/>
+          </p:nvPr>
+        </p:nvSpPr>
+        <p:spPr/>
+        <p:txBody>
+          <a:bodyPr/>
+          <a:lstStyle/>
+          <a:p>
+            <a:r>
+              <a:rPr lang="ru-RU" dirty="0"/>
+              <a:t>Диаграмма состояний системы</a:t>
+            </a:r>
+          </a:p>
+        </p:txBody>
+      </p:sp>
+      <p:pic>
+        <p:nvPicPr>
+          <p:cNvPr id="5" name="Объект 4">
+            <a:extLst>
+              <a:ext uri="{FF2B5EF4-FFF2-40B4-BE49-F238E27FC236}">
+                <a16:creationId xmlns:a16="http://schemas.microsoft.com/office/drawing/2014/main" id="{82B2F9F3-E17D-4B9C-86BB-24C4B3B0F31C}"/>
+              </a:ext>
+            </a:extLst>
+          </p:cNvPr>
+          <p:cNvPicPr>
+            <a:picLocks noGrp="1" noChangeAspect="1"/>
+          </p:cNvPicPr>
+          <p:nvPr>
+            <p:ph idx="1"/>
+          </p:nvPr>
+        </p:nvPicPr>
+        <p:blipFill>
+          <a:blip r:embed="rId2">
+            <a:extLst>
+              <a:ext uri="{28A0092B-C50C-407E-A947-70E740481C1C}">
+                <a14:useLocalDpi xmlns:a14="http://schemas.microsoft.com/office/drawing/2010/main" val="0"/>
+              </a:ext>
+            </a:extLst>
+          </a:blip>
+          <a:stretch>
+            <a:fillRect/>
+          </a:stretch>
+        </p:blipFill>
+        <p:spPr>
+          <a:xfrm>
+            <a:off x="2622745" y="1690688"/>
+            <a:ext cx="6946509" cy="4873386"/>
+          </a:xfrm>
+        </p:spPr>
+      </p:pic>
+    </p:spTree>
+    <p:extLst>
+      <p:ext uri="{BB962C8B-B14F-4D97-AF65-F5344CB8AC3E}">
+        <p14:creationId xmlns:p14="http://schemas.microsoft.com/office/powerpoint/2010/main" val="4151527274"/>
       </p:ext>
     </p:extLst>
   </p:cSld>

--- a/TZ.pptx
+++ b/TZ.pptx
@@ -8,12 +8,13 @@
     <p:sldId id="256" r:id="rId2"/>
     <p:sldId id="257" r:id="rId3"/>
     <p:sldId id="258" r:id="rId4"/>
-    <p:sldId id="259" r:id="rId5"/>
-    <p:sldId id="260" r:id="rId6"/>
-    <p:sldId id="262" r:id="rId7"/>
-    <p:sldId id="263" r:id="rId8"/>
-    <p:sldId id="264" r:id="rId9"/>
-    <p:sldId id="261" r:id="rId10"/>
+    <p:sldId id="265" r:id="rId5"/>
+    <p:sldId id="259" r:id="rId6"/>
+    <p:sldId id="260" r:id="rId7"/>
+    <p:sldId id="262" r:id="rId8"/>
+    <p:sldId id="263" r:id="rId9"/>
+    <p:sldId id="264" r:id="rId10"/>
+    <p:sldId id="261" r:id="rId11"/>
   </p:sldIdLst>
   <p:sldSz cx="12192000" cy="6858000"/>
   <p:notesSz cx="6858000" cy="9144000"/>
@@ -114,7 +115,7 @@
   </p:defaultTextStyle>
   <p:extLst>
     <p:ext uri="{EFAFB233-063F-42B5-8137-9DF3F51BA10A}">
-      <p15:sldGuideLst xmlns:p15="http://schemas.microsoft.com/office/powerpoint/2012/main"/>
+      <p15:sldGuideLst xmlns:p15="http://schemas.microsoft.com/office/powerpoint/2012/main" xmlns=""/>
     </p:ext>
   </p:extLst>
 </p:presentation>
@@ -142,7 +143,7 @@
           <p:cNvPr id="2" name="Заголовок 1">
             <a:extLst>
               <a:ext uri="{FF2B5EF4-FFF2-40B4-BE49-F238E27FC236}">
-                <a16:creationId xmlns:a16="http://schemas.microsoft.com/office/drawing/2014/main" id="{060EF490-98A7-41CE-9064-4431DC8DEF07}"/>
+                <a16:creationId xmlns:a16="http://schemas.microsoft.com/office/drawing/2014/main" xmlns="" id="{060EF490-98A7-41CE-9064-4431DC8DEF07}"/>
               </a:ext>
             </a:extLst>
           </p:cNvPr>
@@ -179,7 +180,7 @@
           <p:cNvPr id="3" name="Подзаголовок 2">
             <a:extLst>
               <a:ext uri="{FF2B5EF4-FFF2-40B4-BE49-F238E27FC236}">
-                <a16:creationId xmlns:a16="http://schemas.microsoft.com/office/drawing/2014/main" id="{93196CF3-35EC-4738-9FD3-86F7E3A72287}"/>
+                <a16:creationId xmlns:a16="http://schemas.microsoft.com/office/drawing/2014/main" xmlns="" id="{93196CF3-35EC-4738-9FD3-86F7E3A72287}"/>
               </a:ext>
             </a:extLst>
           </p:cNvPr>
@@ -249,7 +250,7 @@
           <p:cNvPr id="4" name="Дата 3">
             <a:extLst>
               <a:ext uri="{FF2B5EF4-FFF2-40B4-BE49-F238E27FC236}">
-                <a16:creationId xmlns:a16="http://schemas.microsoft.com/office/drawing/2014/main" id="{596EC95C-F92A-4B48-9F48-1384FA6F7D38}"/>
+                <a16:creationId xmlns:a16="http://schemas.microsoft.com/office/drawing/2014/main" xmlns="" id="{596EC95C-F92A-4B48-9F48-1384FA6F7D38}"/>
               </a:ext>
             </a:extLst>
           </p:cNvPr>
@@ -267,7 +268,8 @@
           <a:p>
             <a:fld id="{B80D0956-16F9-490D-A0B8-6E9C448CB9A3}" type="datetimeFigureOut">
               <a:rPr lang="ru-RU" smtClean="0"/>
-              <a:t>25.09.2024</a:t>
+              <a:pPr/>
+              <a:t>26.09.2024</a:t>
             </a:fld>
             <a:endParaRPr lang="ru-RU"/>
           </a:p>
@@ -278,7 +280,7 @@
           <p:cNvPr id="5" name="Нижний колонтитул 4">
             <a:extLst>
               <a:ext uri="{FF2B5EF4-FFF2-40B4-BE49-F238E27FC236}">
-                <a16:creationId xmlns:a16="http://schemas.microsoft.com/office/drawing/2014/main" id="{91FE7152-01CC-467C-ABF8-EFB66E55C45C}"/>
+                <a16:creationId xmlns:a16="http://schemas.microsoft.com/office/drawing/2014/main" xmlns="" id="{91FE7152-01CC-467C-ABF8-EFB66E55C45C}"/>
               </a:ext>
             </a:extLst>
           </p:cNvPr>
@@ -303,7 +305,7 @@
           <p:cNvPr id="6" name="Номер слайда 5">
             <a:extLst>
               <a:ext uri="{FF2B5EF4-FFF2-40B4-BE49-F238E27FC236}">
-                <a16:creationId xmlns:a16="http://schemas.microsoft.com/office/drawing/2014/main" id="{4F3E96EB-457F-4F4A-A363-6A9F2754EA55}"/>
+                <a16:creationId xmlns:a16="http://schemas.microsoft.com/office/drawing/2014/main" xmlns="" id="{4F3E96EB-457F-4F4A-A363-6A9F2754EA55}"/>
               </a:ext>
             </a:extLst>
           </p:cNvPr>
@@ -321,6 +323,7 @@
           <a:p>
             <a:fld id="{0C6BCD70-4150-4576-8D13-E930F3AD0307}" type="slidenum">
               <a:rPr lang="ru-RU" smtClean="0"/>
+              <a:pPr/>
               <a:t>‹#›</a:t>
             </a:fld>
             <a:endParaRPr lang="ru-RU"/>
@@ -330,7 +333,7 @@
     </p:spTree>
     <p:extLst>
       <p:ext uri="{BB962C8B-B14F-4D97-AF65-F5344CB8AC3E}">
-        <p14:creationId xmlns:p14="http://schemas.microsoft.com/office/powerpoint/2010/main" val="1824527326"/>
+        <p14:creationId xmlns:p14="http://schemas.microsoft.com/office/powerpoint/2010/main" xmlns="" val="1824527326"/>
       </p:ext>
     </p:extLst>
   </p:cSld>
@@ -362,7 +365,7 @@
           <p:cNvPr id="2" name="Заголовок 1">
             <a:extLst>
               <a:ext uri="{FF2B5EF4-FFF2-40B4-BE49-F238E27FC236}">
-                <a16:creationId xmlns:a16="http://schemas.microsoft.com/office/drawing/2014/main" id="{51E63BEC-9C40-45E2-B3F1-04086CC273E2}"/>
+                <a16:creationId xmlns:a16="http://schemas.microsoft.com/office/drawing/2014/main" xmlns="" id="{51E63BEC-9C40-45E2-B3F1-04086CC273E2}"/>
               </a:ext>
             </a:extLst>
           </p:cNvPr>
@@ -390,7 +393,7 @@
           <p:cNvPr id="3" name="Вертикальный текст 2">
             <a:extLst>
               <a:ext uri="{FF2B5EF4-FFF2-40B4-BE49-F238E27FC236}">
-                <a16:creationId xmlns:a16="http://schemas.microsoft.com/office/drawing/2014/main" id="{D3998D81-B1B0-423B-A0B0-77239677743E}"/>
+                <a16:creationId xmlns:a16="http://schemas.microsoft.com/office/drawing/2014/main" xmlns="" id="{D3998D81-B1B0-423B-A0B0-77239677743E}"/>
               </a:ext>
             </a:extLst>
           </p:cNvPr>
@@ -447,7 +450,7 @@
           <p:cNvPr id="4" name="Дата 3">
             <a:extLst>
               <a:ext uri="{FF2B5EF4-FFF2-40B4-BE49-F238E27FC236}">
-                <a16:creationId xmlns:a16="http://schemas.microsoft.com/office/drawing/2014/main" id="{B27BE0D5-B8EF-4F69-B539-3CA85C716356}"/>
+                <a16:creationId xmlns:a16="http://schemas.microsoft.com/office/drawing/2014/main" xmlns="" id="{B27BE0D5-B8EF-4F69-B539-3CA85C716356}"/>
               </a:ext>
             </a:extLst>
           </p:cNvPr>
@@ -465,7 +468,8 @@
           <a:p>
             <a:fld id="{B80D0956-16F9-490D-A0B8-6E9C448CB9A3}" type="datetimeFigureOut">
               <a:rPr lang="ru-RU" smtClean="0"/>
-              <a:t>25.09.2024</a:t>
+              <a:pPr/>
+              <a:t>26.09.2024</a:t>
             </a:fld>
             <a:endParaRPr lang="ru-RU"/>
           </a:p>
@@ -476,7 +480,7 @@
           <p:cNvPr id="5" name="Нижний колонтитул 4">
             <a:extLst>
               <a:ext uri="{FF2B5EF4-FFF2-40B4-BE49-F238E27FC236}">
-                <a16:creationId xmlns:a16="http://schemas.microsoft.com/office/drawing/2014/main" id="{DD78CA1B-32AD-45B1-B950-1978BE42F60A}"/>
+                <a16:creationId xmlns:a16="http://schemas.microsoft.com/office/drawing/2014/main" xmlns="" id="{DD78CA1B-32AD-45B1-B950-1978BE42F60A}"/>
               </a:ext>
             </a:extLst>
           </p:cNvPr>
@@ -501,7 +505,7 @@
           <p:cNvPr id="6" name="Номер слайда 5">
             <a:extLst>
               <a:ext uri="{FF2B5EF4-FFF2-40B4-BE49-F238E27FC236}">
-                <a16:creationId xmlns:a16="http://schemas.microsoft.com/office/drawing/2014/main" id="{5187DD3D-313B-4650-AFC1-5250EFF754B9}"/>
+                <a16:creationId xmlns:a16="http://schemas.microsoft.com/office/drawing/2014/main" xmlns="" id="{5187DD3D-313B-4650-AFC1-5250EFF754B9}"/>
               </a:ext>
             </a:extLst>
           </p:cNvPr>
@@ -519,6 +523,7 @@
           <a:p>
             <a:fld id="{0C6BCD70-4150-4576-8D13-E930F3AD0307}" type="slidenum">
               <a:rPr lang="ru-RU" smtClean="0"/>
+              <a:pPr/>
               <a:t>‹#›</a:t>
             </a:fld>
             <a:endParaRPr lang="ru-RU"/>
@@ -528,7 +533,7 @@
     </p:spTree>
     <p:extLst>
       <p:ext uri="{BB962C8B-B14F-4D97-AF65-F5344CB8AC3E}">
-        <p14:creationId xmlns:p14="http://schemas.microsoft.com/office/powerpoint/2010/main" val="32864822"/>
+        <p14:creationId xmlns:p14="http://schemas.microsoft.com/office/powerpoint/2010/main" xmlns="" val="32864822"/>
       </p:ext>
     </p:extLst>
   </p:cSld>
@@ -560,7 +565,7 @@
           <p:cNvPr id="2" name="Вертикальный заголовок 1">
             <a:extLst>
               <a:ext uri="{FF2B5EF4-FFF2-40B4-BE49-F238E27FC236}">
-                <a16:creationId xmlns:a16="http://schemas.microsoft.com/office/drawing/2014/main" id="{B82BE790-2753-4A19-8B0F-36ADC2D68F88}"/>
+                <a16:creationId xmlns:a16="http://schemas.microsoft.com/office/drawing/2014/main" xmlns="" id="{B82BE790-2753-4A19-8B0F-36ADC2D68F88}"/>
               </a:ext>
             </a:extLst>
           </p:cNvPr>
@@ -593,7 +598,7 @@
           <p:cNvPr id="3" name="Вертикальный текст 2">
             <a:extLst>
               <a:ext uri="{FF2B5EF4-FFF2-40B4-BE49-F238E27FC236}">
-                <a16:creationId xmlns:a16="http://schemas.microsoft.com/office/drawing/2014/main" id="{35394E7B-EBBF-483C-9EEA-DD8C78C9EE5A}"/>
+                <a16:creationId xmlns:a16="http://schemas.microsoft.com/office/drawing/2014/main" xmlns="" id="{35394E7B-EBBF-483C-9EEA-DD8C78C9EE5A}"/>
               </a:ext>
             </a:extLst>
           </p:cNvPr>
@@ -655,7 +660,7 @@
           <p:cNvPr id="4" name="Дата 3">
             <a:extLst>
               <a:ext uri="{FF2B5EF4-FFF2-40B4-BE49-F238E27FC236}">
-                <a16:creationId xmlns:a16="http://schemas.microsoft.com/office/drawing/2014/main" id="{F69EB403-81F6-4583-92AF-E1F1E103799E}"/>
+                <a16:creationId xmlns:a16="http://schemas.microsoft.com/office/drawing/2014/main" xmlns="" id="{F69EB403-81F6-4583-92AF-E1F1E103799E}"/>
               </a:ext>
             </a:extLst>
           </p:cNvPr>
@@ -673,7 +678,8 @@
           <a:p>
             <a:fld id="{B80D0956-16F9-490D-A0B8-6E9C448CB9A3}" type="datetimeFigureOut">
               <a:rPr lang="ru-RU" smtClean="0"/>
-              <a:t>25.09.2024</a:t>
+              <a:pPr/>
+              <a:t>26.09.2024</a:t>
             </a:fld>
             <a:endParaRPr lang="ru-RU"/>
           </a:p>
@@ -684,7 +690,7 @@
           <p:cNvPr id="5" name="Нижний колонтитул 4">
             <a:extLst>
               <a:ext uri="{FF2B5EF4-FFF2-40B4-BE49-F238E27FC236}">
-                <a16:creationId xmlns:a16="http://schemas.microsoft.com/office/drawing/2014/main" id="{DDD966CB-A350-4FAC-9BDF-20626A25D12D}"/>
+                <a16:creationId xmlns:a16="http://schemas.microsoft.com/office/drawing/2014/main" xmlns="" id="{DDD966CB-A350-4FAC-9BDF-20626A25D12D}"/>
               </a:ext>
             </a:extLst>
           </p:cNvPr>
@@ -709,7 +715,7 @@
           <p:cNvPr id="6" name="Номер слайда 5">
             <a:extLst>
               <a:ext uri="{FF2B5EF4-FFF2-40B4-BE49-F238E27FC236}">
-                <a16:creationId xmlns:a16="http://schemas.microsoft.com/office/drawing/2014/main" id="{BF73CE39-C856-4599-979D-3FD7D28B9866}"/>
+                <a16:creationId xmlns:a16="http://schemas.microsoft.com/office/drawing/2014/main" xmlns="" id="{BF73CE39-C856-4599-979D-3FD7D28B9866}"/>
               </a:ext>
             </a:extLst>
           </p:cNvPr>
@@ -727,6 +733,7 @@
           <a:p>
             <a:fld id="{0C6BCD70-4150-4576-8D13-E930F3AD0307}" type="slidenum">
               <a:rPr lang="ru-RU" smtClean="0"/>
+              <a:pPr/>
               <a:t>‹#›</a:t>
             </a:fld>
             <a:endParaRPr lang="ru-RU"/>
@@ -736,7 +743,7 @@
     </p:spTree>
     <p:extLst>
       <p:ext uri="{BB962C8B-B14F-4D97-AF65-F5344CB8AC3E}">
-        <p14:creationId xmlns:p14="http://schemas.microsoft.com/office/powerpoint/2010/main" val="4008463756"/>
+        <p14:creationId xmlns:p14="http://schemas.microsoft.com/office/powerpoint/2010/main" xmlns="" val="4008463756"/>
       </p:ext>
     </p:extLst>
   </p:cSld>
@@ -768,7 +775,7 @@
           <p:cNvPr id="2" name="Заголовок 1">
             <a:extLst>
               <a:ext uri="{FF2B5EF4-FFF2-40B4-BE49-F238E27FC236}">
-                <a16:creationId xmlns:a16="http://schemas.microsoft.com/office/drawing/2014/main" id="{F0A7AFBC-ACEA-4532-AB82-380E80BCE4D4}"/>
+                <a16:creationId xmlns:a16="http://schemas.microsoft.com/office/drawing/2014/main" xmlns="" id="{F0A7AFBC-ACEA-4532-AB82-380E80BCE4D4}"/>
               </a:ext>
             </a:extLst>
           </p:cNvPr>
@@ -796,7 +803,7 @@
           <p:cNvPr id="3" name="Объект 2">
             <a:extLst>
               <a:ext uri="{FF2B5EF4-FFF2-40B4-BE49-F238E27FC236}">
-                <a16:creationId xmlns:a16="http://schemas.microsoft.com/office/drawing/2014/main" id="{980C0276-3D92-4EF7-959C-422B19283B94}"/>
+                <a16:creationId xmlns:a16="http://schemas.microsoft.com/office/drawing/2014/main" xmlns="" id="{980C0276-3D92-4EF7-959C-422B19283B94}"/>
               </a:ext>
             </a:extLst>
           </p:cNvPr>
@@ -853,7 +860,7 @@
           <p:cNvPr id="4" name="Дата 3">
             <a:extLst>
               <a:ext uri="{FF2B5EF4-FFF2-40B4-BE49-F238E27FC236}">
-                <a16:creationId xmlns:a16="http://schemas.microsoft.com/office/drawing/2014/main" id="{1B0084DD-CC76-4B3C-8D77-67047C777EC8}"/>
+                <a16:creationId xmlns:a16="http://schemas.microsoft.com/office/drawing/2014/main" xmlns="" id="{1B0084DD-CC76-4B3C-8D77-67047C777EC8}"/>
               </a:ext>
             </a:extLst>
           </p:cNvPr>
@@ -871,7 +878,8 @@
           <a:p>
             <a:fld id="{B80D0956-16F9-490D-A0B8-6E9C448CB9A3}" type="datetimeFigureOut">
               <a:rPr lang="ru-RU" smtClean="0"/>
-              <a:t>25.09.2024</a:t>
+              <a:pPr/>
+              <a:t>26.09.2024</a:t>
             </a:fld>
             <a:endParaRPr lang="ru-RU"/>
           </a:p>
@@ -882,7 +890,7 @@
           <p:cNvPr id="5" name="Нижний колонтитул 4">
             <a:extLst>
               <a:ext uri="{FF2B5EF4-FFF2-40B4-BE49-F238E27FC236}">
-                <a16:creationId xmlns:a16="http://schemas.microsoft.com/office/drawing/2014/main" id="{7643A2C4-2FA3-437B-ADF6-B41FBD082EBA}"/>
+                <a16:creationId xmlns:a16="http://schemas.microsoft.com/office/drawing/2014/main" xmlns="" id="{7643A2C4-2FA3-437B-ADF6-B41FBD082EBA}"/>
               </a:ext>
             </a:extLst>
           </p:cNvPr>
@@ -907,7 +915,7 @@
           <p:cNvPr id="6" name="Номер слайда 5">
             <a:extLst>
               <a:ext uri="{FF2B5EF4-FFF2-40B4-BE49-F238E27FC236}">
-                <a16:creationId xmlns:a16="http://schemas.microsoft.com/office/drawing/2014/main" id="{2ABC3EDF-298B-477D-B712-2309E12899E2}"/>
+                <a16:creationId xmlns:a16="http://schemas.microsoft.com/office/drawing/2014/main" xmlns="" id="{2ABC3EDF-298B-477D-B712-2309E12899E2}"/>
               </a:ext>
             </a:extLst>
           </p:cNvPr>
@@ -925,6 +933,7 @@
           <a:p>
             <a:fld id="{0C6BCD70-4150-4576-8D13-E930F3AD0307}" type="slidenum">
               <a:rPr lang="ru-RU" smtClean="0"/>
+              <a:pPr/>
               <a:t>‹#›</a:t>
             </a:fld>
             <a:endParaRPr lang="ru-RU"/>
@@ -934,7 +943,7 @@
     </p:spTree>
     <p:extLst>
       <p:ext uri="{BB962C8B-B14F-4D97-AF65-F5344CB8AC3E}">
-        <p14:creationId xmlns:p14="http://schemas.microsoft.com/office/powerpoint/2010/main" val="1905270474"/>
+        <p14:creationId xmlns:p14="http://schemas.microsoft.com/office/powerpoint/2010/main" xmlns="" val="1905270474"/>
       </p:ext>
     </p:extLst>
   </p:cSld>
@@ -966,7 +975,7 @@
           <p:cNvPr id="2" name="Заголовок 1">
             <a:extLst>
               <a:ext uri="{FF2B5EF4-FFF2-40B4-BE49-F238E27FC236}">
-                <a16:creationId xmlns:a16="http://schemas.microsoft.com/office/drawing/2014/main" id="{A24541BF-0D03-4D49-91A3-5CBF742A49D1}"/>
+                <a16:creationId xmlns:a16="http://schemas.microsoft.com/office/drawing/2014/main" xmlns="" id="{A24541BF-0D03-4D49-91A3-5CBF742A49D1}"/>
               </a:ext>
             </a:extLst>
           </p:cNvPr>
@@ -1003,7 +1012,7 @@
           <p:cNvPr id="3" name="Текст 2">
             <a:extLst>
               <a:ext uri="{FF2B5EF4-FFF2-40B4-BE49-F238E27FC236}">
-                <a16:creationId xmlns:a16="http://schemas.microsoft.com/office/drawing/2014/main" id="{58B6D208-A2A4-461F-A88C-88D4C8DF15A6}"/>
+                <a16:creationId xmlns:a16="http://schemas.microsoft.com/office/drawing/2014/main" xmlns="" id="{58B6D208-A2A4-461F-A88C-88D4C8DF15A6}"/>
               </a:ext>
             </a:extLst>
           </p:cNvPr>
@@ -1128,7 +1137,7 @@
           <p:cNvPr id="4" name="Дата 3">
             <a:extLst>
               <a:ext uri="{FF2B5EF4-FFF2-40B4-BE49-F238E27FC236}">
-                <a16:creationId xmlns:a16="http://schemas.microsoft.com/office/drawing/2014/main" id="{A3B8A369-3637-40E5-BA70-9A5EBE2C0E61}"/>
+                <a16:creationId xmlns:a16="http://schemas.microsoft.com/office/drawing/2014/main" xmlns="" id="{A3B8A369-3637-40E5-BA70-9A5EBE2C0E61}"/>
               </a:ext>
             </a:extLst>
           </p:cNvPr>
@@ -1146,7 +1155,8 @@
           <a:p>
             <a:fld id="{B80D0956-16F9-490D-A0B8-6E9C448CB9A3}" type="datetimeFigureOut">
               <a:rPr lang="ru-RU" smtClean="0"/>
-              <a:t>25.09.2024</a:t>
+              <a:pPr/>
+              <a:t>26.09.2024</a:t>
             </a:fld>
             <a:endParaRPr lang="ru-RU"/>
           </a:p>
@@ -1157,7 +1167,7 @@
           <p:cNvPr id="5" name="Нижний колонтитул 4">
             <a:extLst>
               <a:ext uri="{FF2B5EF4-FFF2-40B4-BE49-F238E27FC236}">
-                <a16:creationId xmlns:a16="http://schemas.microsoft.com/office/drawing/2014/main" id="{49D5EB2D-E0B1-496F-8C08-F84C44A7C5E1}"/>
+                <a16:creationId xmlns:a16="http://schemas.microsoft.com/office/drawing/2014/main" xmlns="" id="{49D5EB2D-E0B1-496F-8C08-F84C44A7C5E1}"/>
               </a:ext>
             </a:extLst>
           </p:cNvPr>
@@ -1182,7 +1192,7 @@
           <p:cNvPr id="6" name="Номер слайда 5">
             <a:extLst>
               <a:ext uri="{FF2B5EF4-FFF2-40B4-BE49-F238E27FC236}">
-                <a16:creationId xmlns:a16="http://schemas.microsoft.com/office/drawing/2014/main" id="{D053C04B-A361-42A7-9537-F4BFD41A91E8}"/>
+                <a16:creationId xmlns:a16="http://schemas.microsoft.com/office/drawing/2014/main" xmlns="" id="{D053C04B-A361-42A7-9537-F4BFD41A91E8}"/>
               </a:ext>
             </a:extLst>
           </p:cNvPr>
@@ -1200,6 +1210,7 @@
           <a:p>
             <a:fld id="{0C6BCD70-4150-4576-8D13-E930F3AD0307}" type="slidenum">
               <a:rPr lang="ru-RU" smtClean="0"/>
+              <a:pPr/>
               <a:t>‹#›</a:t>
             </a:fld>
             <a:endParaRPr lang="ru-RU"/>
@@ -1209,7 +1220,7 @@
     </p:spTree>
     <p:extLst>
       <p:ext uri="{BB962C8B-B14F-4D97-AF65-F5344CB8AC3E}">
-        <p14:creationId xmlns:p14="http://schemas.microsoft.com/office/powerpoint/2010/main" val="614214648"/>
+        <p14:creationId xmlns:p14="http://schemas.microsoft.com/office/powerpoint/2010/main" xmlns="" val="614214648"/>
       </p:ext>
     </p:extLst>
   </p:cSld>
@@ -1241,7 +1252,7 @@
           <p:cNvPr id="2" name="Заголовок 1">
             <a:extLst>
               <a:ext uri="{FF2B5EF4-FFF2-40B4-BE49-F238E27FC236}">
-                <a16:creationId xmlns:a16="http://schemas.microsoft.com/office/drawing/2014/main" id="{2E1A5F04-923A-49D3-9E22-FF588288AAD4}"/>
+                <a16:creationId xmlns:a16="http://schemas.microsoft.com/office/drawing/2014/main" xmlns="" id="{2E1A5F04-923A-49D3-9E22-FF588288AAD4}"/>
               </a:ext>
             </a:extLst>
           </p:cNvPr>
@@ -1269,7 +1280,7 @@
           <p:cNvPr id="3" name="Объект 2">
             <a:extLst>
               <a:ext uri="{FF2B5EF4-FFF2-40B4-BE49-F238E27FC236}">
-                <a16:creationId xmlns:a16="http://schemas.microsoft.com/office/drawing/2014/main" id="{6B52096D-AEF7-4CD0-B322-755F94A5C12E}"/>
+                <a16:creationId xmlns:a16="http://schemas.microsoft.com/office/drawing/2014/main" xmlns="" id="{6B52096D-AEF7-4CD0-B322-755F94A5C12E}"/>
               </a:ext>
             </a:extLst>
           </p:cNvPr>
@@ -1331,7 +1342,7 @@
           <p:cNvPr id="4" name="Объект 3">
             <a:extLst>
               <a:ext uri="{FF2B5EF4-FFF2-40B4-BE49-F238E27FC236}">
-                <a16:creationId xmlns:a16="http://schemas.microsoft.com/office/drawing/2014/main" id="{D17381B2-72BC-42C3-A0F4-4EFAED054A34}"/>
+                <a16:creationId xmlns:a16="http://schemas.microsoft.com/office/drawing/2014/main" xmlns="" id="{D17381B2-72BC-42C3-A0F4-4EFAED054A34}"/>
               </a:ext>
             </a:extLst>
           </p:cNvPr>
@@ -1393,7 +1404,7 @@
           <p:cNvPr id="5" name="Дата 4">
             <a:extLst>
               <a:ext uri="{FF2B5EF4-FFF2-40B4-BE49-F238E27FC236}">
-                <a16:creationId xmlns:a16="http://schemas.microsoft.com/office/drawing/2014/main" id="{973E3505-F726-4625-BB8D-8C81A34A9E5E}"/>
+                <a16:creationId xmlns:a16="http://schemas.microsoft.com/office/drawing/2014/main" xmlns="" id="{973E3505-F726-4625-BB8D-8C81A34A9E5E}"/>
               </a:ext>
             </a:extLst>
           </p:cNvPr>
@@ -1411,7 +1422,8 @@
           <a:p>
             <a:fld id="{B80D0956-16F9-490D-A0B8-6E9C448CB9A3}" type="datetimeFigureOut">
               <a:rPr lang="ru-RU" smtClean="0"/>
-              <a:t>25.09.2024</a:t>
+              <a:pPr/>
+              <a:t>26.09.2024</a:t>
             </a:fld>
             <a:endParaRPr lang="ru-RU"/>
           </a:p>
@@ -1422,7 +1434,7 @@
           <p:cNvPr id="6" name="Нижний колонтитул 5">
             <a:extLst>
               <a:ext uri="{FF2B5EF4-FFF2-40B4-BE49-F238E27FC236}">
-                <a16:creationId xmlns:a16="http://schemas.microsoft.com/office/drawing/2014/main" id="{0406EFB1-BEBB-42D6-BC98-1775A15424B6}"/>
+                <a16:creationId xmlns:a16="http://schemas.microsoft.com/office/drawing/2014/main" xmlns="" id="{0406EFB1-BEBB-42D6-BC98-1775A15424B6}"/>
               </a:ext>
             </a:extLst>
           </p:cNvPr>
@@ -1447,7 +1459,7 @@
           <p:cNvPr id="7" name="Номер слайда 6">
             <a:extLst>
               <a:ext uri="{FF2B5EF4-FFF2-40B4-BE49-F238E27FC236}">
-                <a16:creationId xmlns:a16="http://schemas.microsoft.com/office/drawing/2014/main" id="{F64219F9-D7B2-4200-81E3-D39BD0517094}"/>
+                <a16:creationId xmlns:a16="http://schemas.microsoft.com/office/drawing/2014/main" xmlns="" id="{F64219F9-D7B2-4200-81E3-D39BD0517094}"/>
               </a:ext>
             </a:extLst>
           </p:cNvPr>
@@ -1465,6 +1477,7 @@
           <a:p>
             <a:fld id="{0C6BCD70-4150-4576-8D13-E930F3AD0307}" type="slidenum">
               <a:rPr lang="ru-RU" smtClean="0"/>
+              <a:pPr/>
               <a:t>‹#›</a:t>
             </a:fld>
             <a:endParaRPr lang="ru-RU"/>
@@ -1474,7 +1487,7 @@
     </p:spTree>
     <p:extLst>
       <p:ext uri="{BB962C8B-B14F-4D97-AF65-F5344CB8AC3E}">
-        <p14:creationId xmlns:p14="http://schemas.microsoft.com/office/powerpoint/2010/main" val="2542506562"/>
+        <p14:creationId xmlns:p14="http://schemas.microsoft.com/office/powerpoint/2010/main" xmlns="" val="2542506562"/>
       </p:ext>
     </p:extLst>
   </p:cSld>
@@ -1506,7 +1519,7 @@
           <p:cNvPr id="2" name="Заголовок 1">
             <a:extLst>
               <a:ext uri="{FF2B5EF4-FFF2-40B4-BE49-F238E27FC236}">
-                <a16:creationId xmlns:a16="http://schemas.microsoft.com/office/drawing/2014/main" id="{3B226893-3033-4461-B2A7-C81A1F7A762F}"/>
+                <a16:creationId xmlns:a16="http://schemas.microsoft.com/office/drawing/2014/main" xmlns="" id="{3B226893-3033-4461-B2A7-C81A1F7A762F}"/>
               </a:ext>
             </a:extLst>
           </p:cNvPr>
@@ -1539,7 +1552,7 @@
           <p:cNvPr id="3" name="Текст 2">
             <a:extLst>
               <a:ext uri="{FF2B5EF4-FFF2-40B4-BE49-F238E27FC236}">
-                <a16:creationId xmlns:a16="http://schemas.microsoft.com/office/drawing/2014/main" id="{7FAC46E7-FFF1-4B76-8C49-F8E838BA3EC6}"/>
+                <a16:creationId xmlns:a16="http://schemas.microsoft.com/office/drawing/2014/main" xmlns="" id="{7FAC46E7-FFF1-4B76-8C49-F8E838BA3EC6}"/>
               </a:ext>
             </a:extLst>
           </p:cNvPr>
@@ -1610,7 +1623,7 @@
           <p:cNvPr id="4" name="Объект 3">
             <a:extLst>
               <a:ext uri="{FF2B5EF4-FFF2-40B4-BE49-F238E27FC236}">
-                <a16:creationId xmlns:a16="http://schemas.microsoft.com/office/drawing/2014/main" id="{517AFB05-D160-492B-9F8C-B077DB17172E}"/>
+                <a16:creationId xmlns:a16="http://schemas.microsoft.com/office/drawing/2014/main" xmlns="" id="{517AFB05-D160-492B-9F8C-B077DB17172E}"/>
               </a:ext>
             </a:extLst>
           </p:cNvPr>
@@ -1672,7 +1685,7 @@
           <p:cNvPr id="5" name="Текст 4">
             <a:extLst>
               <a:ext uri="{FF2B5EF4-FFF2-40B4-BE49-F238E27FC236}">
-                <a16:creationId xmlns:a16="http://schemas.microsoft.com/office/drawing/2014/main" id="{9975DD30-583A-410E-BB04-AAD266318675}"/>
+                <a16:creationId xmlns:a16="http://schemas.microsoft.com/office/drawing/2014/main" xmlns="" id="{9975DD30-583A-410E-BB04-AAD266318675}"/>
               </a:ext>
             </a:extLst>
           </p:cNvPr>
@@ -1743,7 +1756,7 @@
           <p:cNvPr id="6" name="Объект 5">
             <a:extLst>
               <a:ext uri="{FF2B5EF4-FFF2-40B4-BE49-F238E27FC236}">
-                <a16:creationId xmlns:a16="http://schemas.microsoft.com/office/drawing/2014/main" id="{D44DDBF2-ACD8-4D70-8920-C2EF884DEC5D}"/>
+                <a16:creationId xmlns:a16="http://schemas.microsoft.com/office/drawing/2014/main" xmlns="" id="{D44DDBF2-ACD8-4D70-8920-C2EF884DEC5D}"/>
               </a:ext>
             </a:extLst>
           </p:cNvPr>
@@ -1805,7 +1818,7 @@
           <p:cNvPr id="7" name="Дата 6">
             <a:extLst>
               <a:ext uri="{FF2B5EF4-FFF2-40B4-BE49-F238E27FC236}">
-                <a16:creationId xmlns:a16="http://schemas.microsoft.com/office/drawing/2014/main" id="{858FCDC3-043B-45AB-AA81-4627A44B40FC}"/>
+                <a16:creationId xmlns:a16="http://schemas.microsoft.com/office/drawing/2014/main" xmlns="" id="{858FCDC3-043B-45AB-AA81-4627A44B40FC}"/>
               </a:ext>
             </a:extLst>
           </p:cNvPr>
@@ -1823,7 +1836,8 @@
           <a:p>
             <a:fld id="{B80D0956-16F9-490D-A0B8-6E9C448CB9A3}" type="datetimeFigureOut">
               <a:rPr lang="ru-RU" smtClean="0"/>
-              <a:t>25.09.2024</a:t>
+              <a:pPr/>
+              <a:t>26.09.2024</a:t>
             </a:fld>
             <a:endParaRPr lang="ru-RU"/>
           </a:p>
@@ -1834,7 +1848,7 @@
           <p:cNvPr id="8" name="Нижний колонтитул 7">
             <a:extLst>
               <a:ext uri="{FF2B5EF4-FFF2-40B4-BE49-F238E27FC236}">
-                <a16:creationId xmlns:a16="http://schemas.microsoft.com/office/drawing/2014/main" id="{9EE5ECE9-C8EC-4062-85BF-322AF423CEEB}"/>
+                <a16:creationId xmlns:a16="http://schemas.microsoft.com/office/drawing/2014/main" xmlns="" id="{9EE5ECE9-C8EC-4062-85BF-322AF423CEEB}"/>
               </a:ext>
             </a:extLst>
           </p:cNvPr>
@@ -1859,7 +1873,7 @@
           <p:cNvPr id="9" name="Номер слайда 8">
             <a:extLst>
               <a:ext uri="{FF2B5EF4-FFF2-40B4-BE49-F238E27FC236}">
-                <a16:creationId xmlns:a16="http://schemas.microsoft.com/office/drawing/2014/main" id="{7E12A7E8-4275-42FC-80A7-D23AFA274540}"/>
+                <a16:creationId xmlns:a16="http://schemas.microsoft.com/office/drawing/2014/main" xmlns="" id="{7E12A7E8-4275-42FC-80A7-D23AFA274540}"/>
               </a:ext>
             </a:extLst>
           </p:cNvPr>
@@ -1877,6 +1891,7 @@
           <a:p>
             <a:fld id="{0C6BCD70-4150-4576-8D13-E930F3AD0307}" type="slidenum">
               <a:rPr lang="ru-RU" smtClean="0"/>
+              <a:pPr/>
               <a:t>‹#›</a:t>
             </a:fld>
             <a:endParaRPr lang="ru-RU"/>
@@ -1886,7 +1901,7 @@
     </p:spTree>
     <p:extLst>
       <p:ext uri="{BB962C8B-B14F-4D97-AF65-F5344CB8AC3E}">
-        <p14:creationId xmlns:p14="http://schemas.microsoft.com/office/powerpoint/2010/main" val="2941227937"/>
+        <p14:creationId xmlns:p14="http://schemas.microsoft.com/office/powerpoint/2010/main" xmlns="" val="2941227937"/>
       </p:ext>
     </p:extLst>
   </p:cSld>
@@ -1918,7 +1933,7 @@
           <p:cNvPr id="2" name="Заголовок 1">
             <a:extLst>
               <a:ext uri="{FF2B5EF4-FFF2-40B4-BE49-F238E27FC236}">
-                <a16:creationId xmlns:a16="http://schemas.microsoft.com/office/drawing/2014/main" id="{4CE82246-3F61-41E1-B686-FD8ED9A1446F}"/>
+                <a16:creationId xmlns:a16="http://schemas.microsoft.com/office/drawing/2014/main" xmlns="" id="{4CE82246-3F61-41E1-B686-FD8ED9A1446F}"/>
               </a:ext>
             </a:extLst>
           </p:cNvPr>
@@ -1946,7 +1961,7 @@
           <p:cNvPr id="3" name="Дата 2">
             <a:extLst>
               <a:ext uri="{FF2B5EF4-FFF2-40B4-BE49-F238E27FC236}">
-                <a16:creationId xmlns:a16="http://schemas.microsoft.com/office/drawing/2014/main" id="{96BF5A63-469E-4FCF-94B2-E8B023DD7FFD}"/>
+                <a16:creationId xmlns:a16="http://schemas.microsoft.com/office/drawing/2014/main" xmlns="" id="{96BF5A63-469E-4FCF-94B2-E8B023DD7FFD}"/>
               </a:ext>
             </a:extLst>
           </p:cNvPr>
@@ -1964,7 +1979,8 @@
           <a:p>
             <a:fld id="{B80D0956-16F9-490D-A0B8-6E9C448CB9A3}" type="datetimeFigureOut">
               <a:rPr lang="ru-RU" smtClean="0"/>
-              <a:t>25.09.2024</a:t>
+              <a:pPr/>
+              <a:t>26.09.2024</a:t>
             </a:fld>
             <a:endParaRPr lang="ru-RU"/>
           </a:p>
@@ -1975,7 +1991,7 @@
           <p:cNvPr id="4" name="Нижний колонтитул 3">
             <a:extLst>
               <a:ext uri="{FF2B5EF4-FFF2-40B4-BE49-F238E27FC236}">
-                <a16:creationId xmlns:a16="http://schemas.microsoft.com/office/drawing/2014/main" id="{1EB31CCA-DC6D-4FC5-9F93-7795C6D48FA3}"/>
+                <a16:creationId xmlns:a16="http://schemas.microsoft.com/office/drawing/2014/main" xmlns="" id="{1EB31CCA-DC6D-4FC5-9F93-7795C6D48FA3}"/>
               </a:ext>
             </a:extLst>
           </p:cNvPr>
@@ -2000,7 +2016,7 @@
           <p:cNvPr id="5" name="Номер слайда 4">
             <a:extLst>
               <a:ext uri="{FF2B5EF4-FFF2-40B4-BE49-F238E27FC236}">
-                <a16:creationId xmlns:a16="http://schemas.microsoft.com/office/drawing/2014/main" id="{A91EE571-7496-4DFD-A3E6-72EB2B137BDE}"/>
+                <a16:creationId xmlns:a16="http://schemas.microsoft.com/office/drawing/2014/main" xmlns="" id="{A91EE571-7496-4DFD-A3E6-72EB2B137BDE}"/>
               </a:ext>
             </a:extLst>
           </p:cNvPr>
@@ -2018,6 +2034,7 @@
           <a:p>
             <a:fld id="{0C6BCD70-4150-4576-8D13-E930F3AD0307}" type="slidenum">
               <a:rPr lang="ru-RU" smtClean="0"/>
+              <a:pPr/>
               <a:t>‹#›</a:t>
             </a:fld>
             <a:endParaRPr lang="ru-RU"/>
@@ -2027,7 +2044,7 @@
     </p:spTree>
     <p:extLst>
       <p:ext uri="{BB962C8B-B14F-4D97-AF65-F5344CB8AC3E}">
-        <p14:creationId xmlns:p14="http://schemas.microsoft.com/office/powerpoint/2010/main" val="1531549616"/>
+        <p14:creationId xmlns:p14="http://schemas.microsoft.com/office/powerpoint/2010/main" xmlns="" val="1531549616"/>
       </p:ext>
     </p:extLst>
   </p:cSld>
@@ -2059,7 +2076,7 @@
           <p:cNvPr id="2" name="Дата 1">
             <a:extLst>
               <a:ext uri="{FF2B5EF4-FFF2-40B4-BE49-F238E27FC236}">
-                <a16:creationId xmlns:a16="http://schemas.microsoft.com/office/drawing/2014/main" id="{0B9AA2DD-3A29-47B4-AC83-6CBE3484ECBB}"/>
+                <a16:creationId xmlns:a16="http://schemas.microsoft.com/office/drawing/2014/main" xmlns="" id="{0B9AA2DD-3A29-47B4-AC83-6CBE3484ECBB}"/>
               </a:ext>
             </a:extLst>
           </p:cNvPr>
@@ -2077,7 +2094,8 @@
           <a:p>
             <a:fld id="{B80D0956-16F9-490D-A0B8-6E9C448CB9A3}" type="datetimeFigureOut">
               <a:rPr lang="ru-RU" smtClean="0"/>
-              <a:t>25.09.2024</a:t>
+              <a:pPr/>
+              <a:t>26.09.2024</a:t>
             </a:fld>
             <a:endParaRPr lang="ru-RU"/>
           </a:p>
@@ -2088,7 +2106,7 @@
           <p:cNvPr id="3" name="Нижний колонтитул 2">
             <a:extLst>
               <a:ext uri="{FF2B5EF4-FFF2-40B4-BE49-F238E27FC236}">
-                <a16:creationId xmlns:a16="http://schemas.microsoft.com/office/drawing/2014/main" id="{D125BF05-8FF4-4BCC-BE57-BDA3769C2C84}"/>
+                <a16:creationId xmlns:a16="http://schemas.microsoft.com/office/drawing/2014/main" xmlns="" id="{D125BF05-8FF4-4BCC-BE57-BDA3769C2C84}"/>
               </a:ext>
             </a:extLst>
           </p:cNvPr>
@@ -2113,7 +2131,7 @@
           <p:cNvPr id="4" name="Номер слайда 3">
             <a:extLst>
               <a:ext uri="{FF2B5EF4-FFF2-40B4-BE49-F238E27FC236}">
-                <a16:creationId xmlns:a16="http://schemas.microsoft.com/office/drawing/2014/main" id="{B6BBE924-B4C7-4A93-9301-C3756F26BF18}"/>
+                <a16:creationId xmlns:a16="http://schemas.microsoft.com/office/drawing/2014/main" xmlns="" id="{B6BBE924-B4C7-4A93-9301-C3756F26BF18}"/>
               </a:ext>
             </a:extLst>
           </p:cNvPr>
@@ -2131,6 +2149,7 @@
           <a:p>
             <a:fld id="{0C6BCD70-4150-4576-8D13-E930F3AD0307}" type="slidenum">
               <a:rPr lang="ru-RU" smtClean="0"/>
+              <a:pPr/>
               <a:t>‹#›</a:t>
             </a:fld>
             <a:endParaRPr lang="ru-RU"/>
@@ -2140,7 +2159,7 @@
     </p:spTree>
     <p:extLst>
       <p:ext uri="{BB962C8B-B14F-4D97-AF65-F5344CB8AC3E}">
-        <p14:creationId xmlns:p14="http://schemas.microsoft.com/office/powerpoint/2010/main" val="3152225590"/>
+        <p14:creationId xmlns:p14="http://schemas.microsoft.com/office/powerpoint/2010/main" xmlns="" val="3152225590"/>
       </p:ext>
     </p:extLst>
   </p:cSld>
@@ -2172,7 +2191,7 @@
           <p:cNvPr id="2" name="Заголовок 1">
             <a:extLst>
               <a:ext uri="{FF2B5EF4-FFF2-40B4-BE49-F238E27FC236}">
-                <a16:creationId xmlns:a16="http://schemas.microsoft.com/office/drawing/2014/main" id="{5AA97600-AA42-4AE1-962F-742F3049E4A7}"/>
+                <a16:creationId xmlns:a16="http://schemas.microsoft.com/office/drawing/2014/main" xmlns="" id="{5AA97600-AA42-4AE1-962F-742F3049E4A7}"/>
               </a:ext>
             </a:extLst>
           </p:cNvPr>
@@ -2209,7 +2228,7 @@
           <p:cNvPr id="3" name="Объект 2">
             <a:extLst>
               <a:ext uri="{FF2B5EF4-FFF2-40B4-BE49-F238E27FC236}">
-                <a16:creationId xmlns:a16="http://schemas.microsoft.com/office/drawing/2014/main" id="{65086172-9173-4A75-ACED-1728A7EFFB1A}"/>
+                <a16:creationId xmlns:a16="http://schemas.microsoft.com/office/drawing/2014/main" xmlns="" id="{65086172-9173-4A75-ACED-1728A7EFFB1A}"/>
               </a:ext>
             </a:extLst>
           </p:cNvPr>
@@ -2299,7 +2318,7 @@
           <p:cNvPr id="4" name="Текст 3">
             <a:extLst>
               <a:ext uri="{FF2B5EF4-FFF2-40B4-BE49-F238E27FC236}">
-                <a16:creationId xmlns:a16="http://schemas.microsoft.com/office/drawing/2014/main" id="{E245E81C-E9DE-4626-B7C1-9E1361DEF793}"/>
+                <a16:creationId xmlns:a16="http://schemas.microsoft.com/office/drawing/2014/main" xmlns="" id="{E245E81C-E9DE-4626-B7C1-9E1361DEF793}"/>
               </a:ext>
             </a:extLst>
           </p:cNvPr>
@@ -2370,7 +2389,7 @@
           <p:cNvPr id="5" name="Дата 4">
             <a:extLst>
               <a:ext uri="{FF2B5EF4-FFF2-40B4-BE49-F238E27FC236}">
-                <a16:creationId xmlns:a16="http://schemas.microsoft.com/office/drawing/2014/main" id="{18AAA5ED-6303-486C-8010-F72CAABAF027}"/>
+                <a16:creationId xmlns:a16="http://schemas.microsoft.com/office/drawing/2014/main" xmlns="" id="{18AAA5ED-6303-486C-8010-F72CAABAF027}"/>
               </a:ext>
             </a:extLst>
           </p:cNvPr>
@@ -2388,7 +2407,8 @@
           <a:p>
             <a:fld id="{B80D0956-16F9-490D-A0B8-6E9C448CB9A3}" type="datetimeFigureOut">
               <a:rPr lang="ru-RU" smtClean="0"/>
-              <a:t>25.09.2024</a:t>
+              <a:pPr/>
+              <a:t>26.09.2024</a:t>
             </a:fld>
             <a:endParaRPr lang="ru-RU"/>
           </a:p>
@@ -2399,7 +2419,7 @@
           <p:cNvPr id="6" name="Нижний колонтитул 5">
             <a:extLst>
               <a:ext uri="{FF2B5EF4-FFF2-40B4-BE49-F238E27FC236}">
-                <a16:creationId xmlns:a16="http://schemas.microsoft.com/office/drawing/2014/main" id="{99648C94-01FA-4B2D-A4F1-8009AE26DCA6}"/>
+                <a16:creationId xmlns:a16="http://schemas.microsoft.com/office/drawing/2014/main" xmlns="" id="{99648C94-01FA-4B2D-A4F1-8009AE26DCA6}"/>
               </a:ext>
             </a:extLst>
           </p:cNvPr>
@@ -2424,7 +2444,7 @@
           <p:cNvPr id="7" name="Номер слайда 6">
             <a:extLst>
               <a:ext uri="{FF2B5EF4-FFF2-40B4-BE49-F238E27FC236}">
-                <a16:creationId xmlns:a16="http://schemas.microsoft.com/office/drawing/2014/main" id="{2EF02B90-F62B-44AB-9CCC-98AA573288ED}"/>
+                <a16:creationId xmlns:a16="http://schemas.microsoft.com/office/drawing/2014/main" xmlns="" id="{2EF02B90-F62B-44AB-9CCC-98AA573288ED}"/>
               </a:ext>
             </a:extLst>
           </p:cNvPr>
@@ -2442,6 +2462,7 @@
           <a:p>
             <a:fld id="{0C6BCD70-4150-4576-8D13-E930F3AD0307}" type="slidenum">
               <a:rPr lang="ru-RU" smtClean="0"/>
+              <a:pPr/>
               <a:t>‹#›</a:t>
             </a:fld>
             <a:endParaRPr lang="ru-RU"/>
@@ -2451,7 +2472,7 @@
     </p:spTree>
     <p:extLst>
       <p:ext uri="{BB962C8B-B14F-4D97-AF65-F5344CB8AC3E}">
-        <p14:creationId xmlns:p14="http://schemas.microsoft.com/office/powerpoint/2010/main" val="1984710968"/>
+        <p14:creationId xmlns:p14="http://schemas.microsoft.com/office/powerpoint/2010/main" xmlns="" val="1984710968"/>
       </p:ext>
     </p:extLst>
   </p:cSld>
@@ -2483,7 +2504,7 @@
           <p:cNvPr id="2" name="Заголовок 1">
             <a:extLst>
               <a:ext uri="{FF2B5EF4-FFF2-40B4-BE49-F238E27FC236}">
-                <a16:creationId xmlns:a16="http://schemas.microsoft.com/office/drawing/2014/main" id="{D2893FBF-395A-4165-B4E3-20D195071E30}"/>
+                <a16:creationId xmlns:a16="http://schemas.microsoft.com/office/drawing/2014/main" xmlns="" id="{D2893FBF-395A-4165-B4E3-20D195071E30}"/>
               </a:ext>
             </a:extLst>
           </p:cNvPr>
@@ -2520,7 +2541,7 @@
           <p:cNvPr id="3" name="Рисунок 2">
             <a:extLst>
               <a:ext uri="{FF2B5EF4-FFF2-40B4-BE49-F238E27FC236}">
-                <a16:creationId xmlns:a16="http://schemas.microsoft.com/office/drawing/2014/main" id="{AB3986B6-349E-4660-B57A-45AB5A6673C3}"/>
+                <a16:creationId xmlns:a16="http://schemas.microsoft.com/office/drawing/2014/main" xmlns="" id="{AB3986B6-349E-4660-B57A-45AB5A6673C3}"/>
               </a:ext>
             </a:extLst>
           </p:cNvPr>
@@ -2587,7 +2608,7 @@
           <p:cNvPr id="4" name="Текст 3">
             <a:extLst>
               <a:ext uri="{FF2B5EF4-FFF2-40B4-BE49-F238E27FC236}">
-                <a16:creationId xmlns:a16="http://schemas.microsoft.com/office/drawing/2014/main" id="{626B8792-31CC-4C8B-948A-7D86AA568DD1}"/>
+                <a16:creationId xmlns:a16="http://schemas.microsoft.com/office/drawing/2014/main" xmlns="" id="{626B8792-31CC-4C8B-948A-7D86AA568DD1}"/>
               </a:ext>
             </a:extLst>
           </p:cNvPr>
@@ -2658,7 +2679,7 @@
           <p:cNvPr id="5" name="Дата 4">
             <a:extLst>
               <a:ext uri="{FF2B5EF4-FFF2-40B4-BE49-F238E27FC236}">
-                <a16:creationId xmlns:a16="http://schemas.microsoft.com/office/drawing/2014/main" id="{9CFFDD25-DEB7-4445-94E3-E751F7AE0687}"/>
+                <a16:creationId xmlns:a16="http://schemas.microsoft.com/office/drawing/2014/main" xmlns="" id="{9CFFDD25-DEB7-4445-94E3-E751F7AE0687}"/>
               </a:ext>
             </a:extLst>
           </p:cNvPr>
@@ -2676,7 +2697,8 @@
           <a:p>
             <a:fld id="{B80D0956-16F9-490D-A0B8-6E9C448CB9A3}" type="datetimeFigureOut">
               <a:rPr lang="ru-RU" smtClean="0"/>
-              <a:t>25.09.2024</a:t>
+              <a:pPr/>
+              <a:t>26.09.2024</a:t>
             </a:fld>
             <a:endParaRPr lang="ru-RU"/>
           </a:p>
@@ -2687,7 +2709,7 @@
           <p:cNvPr id="6" name="Нижний колонтитул 5">
             <a:extLst>
               <a:ext uri="{FF2B5EF4-FFF2-40B4-BE49-F238E27FC236}">
-                <a16:creationId xmlns:a16="http://schemas.microsoft.com/office/drawing/2014/main" id="{EC46B1F3-1B20-4BC8-A3C7-EAA6285E2766}"/>
+                <a16:creationId xmlns:a16="http://schemas.microsoft.com/office/drawing/2014/main" xmlns="" id="{EC46B1F3-1B20-4BC8-A3C7-EAA6285E2766}"/>
               </a:ext>
             </a:extLst>
           </p:cNvPr>
@@ -2712,7 +2734,7 @@
           <p:cNvPr id="7" name="Номер слайда 6">
             <a:extLst>
               <a:ext uri="{FF2B5EF4-FFF2-40B4-BE49-F238E27FC236}">
-                <a16:creationId xmlns:a16="http://schemas.microsoft.com/office/drawing/2014/main" id="{73B2B95A-EC5B-4554-9CF0-FA4B26F959FC}"/>
+                <a16:creationId xmlns:a16="http://schemas.microsoft.com/office/drawing/2014/main" xmlns="" id="{73B2B95A-EC5B-4554-9CF0-FA4B26F959FC}"/>
               </a:ext>
             </a:extLst>
           </p:cNvPr>
@@ -2730,6 +2752,7 @@
           <a:p>
             <a:fld id="{0C6BCD70-4150-4576-8D13-E930F3AD0307}" type="slidenum">
               <a:rPr lang="ru-RU" smtClean="0"/>
+              <a:pPr/>
               <a:t>‹#›</a:t>
             </a:fld>
             <a:endParaRPr lang="ru-RU"/>
@@ -2739,7 +2762,7 @@
     </p:spTree>
     <p:extLst>
       <p:ext uri="{BB962C8B-B14F-4D97-AF65-F5344CB8AC3E}">
-        <p14:creationId xmlns:p14="http://schemas.microsoft.com/office/powerpoint/2010/main" val="1242138087"/>
+        <p14:creationId xmlns:p14="http://schemas.microsoft.com/office/powerpoint/2010/main" xmlns="" val="1242138087"/>
       </p:ext>
     </p:extLst>
   </p:cSld>
@@ -2776,7 +2799,7 @@
           <p:cNvPr id="2" name="Заголовок 1">
             <a:extLst>
               <a:ext uri="{FF2B5EF4-FFF2-40B4-BE49-F238E27FC236}">
-                <a16:creationId xmlns:a16="http://schemas.microsoft.com/office/drawing/2014/main" id="{585936AE-8DE8-43B8-A110-A581D07969CE}"/>
+                <a16:creationId xmlns:a16="http://schemas.microsoft.com/office/drawing/2014/main" xmlns="" id="{585936AE-8DE8-43B8-A110-A581D07969CE}"/>
               </a:ext>
             </a:extLst>
           </p:cNvPr>
@@ -2814,7 +2837,7 @@
           <p:cNvPr id="3" name="Текст 2">
             <a:extLst>
               <a:ext uri="{FF2B5EF4-FFF2-40B4-BE49-F238E27FC236}">
-                <a16:creationId xmlns:a16="http://schemas.microsoft.com/office/drawing/2014/main" id="{2F86C054-33D1-46CE-99EF-C81EA9BE630B}"/>
+                <a16:creationId xmlns:a16="http://schemas.microsoft.com/office/drawing/2014/main" xmlns="" id="{2F86C054-33D1-46CE-99EF-C81EA9BE630B}"/>
               </a:ext>
             </a:extLst>
           </p:cNvPr>
@@ -2881,7 +2904,7 @@
           <p:cNvPr id="4" name="Дата 3">
             <a:extLst>
               <a:ext uri="{FF2B5EF4-FFF2-40B4-BE49-F238E27FC236}">
-                <a16:creationId xmlns:a16="http://schemas.microsoft.com/office/drawing/2014/main" id="{884BDD55-05C7-44DF-B874-B664988E2B14}"/>
+                <a16:creationId xmlns:a16="http://schemas.microsoft.com/office/drawing/2014/main" xmlns="" id="{884BDD55-05C7-44DF-B874-B664988E2B14}"/>
               </a:ext>
             </a:extLst>
           </p:cNvPr>
@@ -2917,7 +2940,8 @@
           <a:p>
             <a:fld id="{B80D0956-16F9-490D-A0B8-6E9C448CB9A3}" type="datetimeFigureOut">
               <a:rPr lang="ru-RU" smtClean="0"/>
-              <a:t>25.09.2024</a:t>
+              <a:pPr/>
+              <a:t>26.09.2024</a:t>
             </a:fld>
             <a:endParaRPr lang="ru-RU"/>
           </a:p>
@@ -2928,7 +2952,7 @@
           <p:cNvPr id="5" name="Нижний колонтитул 4">
             <a:extLst>
               <a:ext uri="{FF2B5EF4-FFF2-40B4-BE49-F238E27FC236}">
-                <a16:creationId xmlns:a16="http://schemas.microsoft.com/office/drawing/2014/main" id="{6CFD3EEA-2EDD-40D1-9670-36C06396D785}"/>
+                <a16:creationId xmlns:a16="http://schemas.microsoft.com/office/drawing/2014/main" xmlns="" id="{6CFD3EEA-2EDD-40D1-9670-36C06396D785}"/>
               </a:ext>
             </a:extLst>
           </p:cNvPr>
@@ -2971,7 +2995,7 @@
           <p:cNvPr id="6" name="Номер слайда 5">
             <a:extLst>
               <a:ext uri="{FF2B5EF4-FFF2-40B4-BE49-F238E27FC236}">
-                <a16:creationId xmlns:a16="http://schemas.microsoft.com/office/drawing/2014/main" id="{89E18D41-2A00-481F-85F0-96514165B7E8}"/>
+                <a16:creationId xmlns:a16="http://schemas.microsoft.com/office/drawing/2014/main" xmlns="" id="{89E18D41-2A00-481F-85F0-96514165B7E8}"/>
               </a:ext>
             </a:extLst>
           </p:cNvPr>
@@ -3007,6 +3031,7 @@
           <a:p>
             <a:fld id="{0C6BCD70-4150-4576-8D13-E930F3AD0307}" type="slidenum">
               <a:rPr lang="ru-RU" smtClean="0"/>
+              <a:pPr/>
               <a:t>‹#›</a:t>
             </a:fld>
             <a:endParaRPr lang="ru-RU"/>
@@ -3016,7 +3041,7 @@
     </p:spTree>
     <p:extLst>
       <p:ext uri="{BB962C8B-B14F-4D97-AF65-F5344CB8AC3E}">
-        <p14:creationId xmlns:p14="http://schemas.microsoft.com/office/powerpoint/2010/main" val="3451104327"/>
+        <p14:creationId xmlns:p14="http://schemas.microsoft.com/office/powerpoint/2010/main" xmlns="" val="3451104327"/>
       </p:ext>
     </p:extLst>
   </p:cSld>
@@ -3339,7 +3364,7 @@
           <p:cNvPr id="2" name="Заголовок 1">
             <a:extLst>
               <a:ext uri="{FF2B5EF4-FFF2-40B4-BE49-F238E27FC236}">
-                <a16:creationId xmlns:a16="http://schemas.microsoft.com/office/drawing/2014/main" id="{A7CCC6D4-6C35-48A1-B375-19C8F8403CF5}"/>
+                <a16:creationId xmlns:a16="http://schemas.microsoft.com/office/drawing/2014/main" xmlns="" id="{A7CCC6D4-6C35-48A1-B375-19C8F8403CF5}"/>
               </a:ext>
             </a:extLst>
           </p:cNvPr>
@@ -3374,7 +3399,7 @@
           <p:cNvPr id="3" name="Подзаголовок 2">
             <a:extLst>
               <a:ext uri="{FF2B5EF4-FFF2-40B4-BE49-F238E27FC236}">
-                <a16:creationId xmlns:a16="http://schemas.microsoft.com/office/drawing/2014/main" id="{CAD37FC6-63D0-4856-97E3-7C7D41596F9E}"/>
+                <a16:creationId xmlns:a16="http://schemas.microsoft.com/office/drawing/2014/main" xmlns="" id="{CAD37FC6-63D0-4856-97E3-7C7D41596F9E}"/>
               </a:ext>
             </a:extLst>
           </p:cNvPr>
@@ -3407,7 +3432,7 @@
           <p:cNvPr id="7" name="TextBox 6">
             <a:extLst>
               <a:ext uri="{FF2B5EF4-FFF2-40B4-BE49-F238E27FC236}">
-                <a16:creationId xmlns:a16="http://schemas.microsoft.com/office/drawing/2014/main" id="{21CC950F-30EE-482E-833C-FE1E226E5DEC}"/>
+                <a16:creationId xmlns:a16="http://schemas.microsoft.com/office/drawing/2014/main" xmlns="" id="{21CC950F-30EE-482E-833C-FE1E226E5DEC}"/>
               </a:ext>
             </a:extLst>
           </p:cNvPr>
@@ -3448,7 +3473,100 @@
     </p:spTree>
     <p:extLst>
       <p:ext uri="{BB962C8B-B14F-4D97-AF65-F5344CB8AC3E}">
-        <p14:creationId xmlns:p14="http://schemas.microsoft.com/office/powerpoint/2010/main" val="3274260455"/>
+        <p14:creationId xmlns:p14="http://schemas.microsoft.com/office/powerpoint/2010/main" xmlns="" val="3274260455"/>
+      </p:ext>
+    </p:extLst>
+  </p:cSld>
+  <p:clrMapOvr>
+    <a:masterClrMapping/>
+  </p:clrMapOvr>
+</p:sld>
+</file>
+
+<file path=ppt/slides/slide10.xml><?xml version="1.0" encoding="utf-8"?>
+<p:sld xmlns:a="http://schemas.openxmlformats.org/drawingml/2006/main" xmlns:r="http://schemas.openxmlformats.org/officeDocument/2006/relationships" xmlns:p="http://schemas.openxmlformats.org/presentationml/2006/main">
+  <p:cSld>
+    <p:spTree>
+      <p:nvGrpSpPr>
+        <p:cNvPr id="1" name=""/>
+        <p:cNvGrpSpPr/>
+        <p:nvPr/>
+      </p:nvGrpSpPr>
+      <p:grpSpPr>
+        <a:xfrm>
+          <a:off x="0" y="0"/>
+          <a:ext cx="0" cy="0"/>
+          <a:chOff x="0" y="0"/>
+          <a:chExt cx="0" cy="0"/>
+        </a:xfrm>
+      </p:grpSpPr>
+      <p:sp>
+        <p:nvSpPr>
+          <p:cNvPr id="2" name="Заголовок 1">
+            <a:extLst>
+              <a:ext uri="{FF2B5EF4-FFF2-40B4-BE49-F238E27FC236}">
+                <a16:creationId xmlns:a16="http://schemas.microsoft.com/office/drawing/2014/main" xmlns="" id="{CA8057D8-2A5C-4D88-8F30-227562F13BFF}"/>
+              </a:ext>
+            </a:extLst>
+          </p:cNvPr>
+          <p:cNvSpPr>
+            <a:spLocks noGrp="1"/>
+          </p:cNvSpPr>
+          <p:nvPr>
+            <p:ph type="title"/>
+          </p:nvPr>
+        </p:nvSpPr>
+        <p:spPr/>
+        <p:txBody>
+          <a:bodyPr/>
+          <a:lstStyle/>
+          <a:p>
+            <a:r>
+              <a:rPr lang="ru-RU" dirty="0"/>
+              <a:t>Диаграмма состояний системы</a:t>
+            </a:r>
+          </a:p>
+        </p:txBody>
+      </p:sp>
+      <p:pic>
+        <p:nvPicPr>
+          <p:cNvPr id="5" name="Объект 4">
+            <a:extLst>
+              <a:ext uri="{FF2B5EF4-FFF2-40B4-BE49-F238E27FC236}">
+                <a16:creationId xmlns:a16="http://schemas.microsoft.com/office/drawing/2014/main" xmlns="" id="{82B2F9F3-E17D-4B9C-86BB-24C4B3B0F31C}"/>
+              </a:ext>
+            </a:extLst>
+          </p:cNvPr>
+          <p:cNvPicPr>
+            <a:picLocks noGrp="1" noChangeAspect="1"/>
+          </p:cNvPicPr>
+          <p:nvPr>
+            <p:ph idx="1"/>
+          </p:nvPr>
+        </p:nvPicPr>
+        <p:blipFill>
+          <a:blip r:embed="rId2" cstate="print">
+            <a:extLst>
+              <a:ext uri="{28A0092B-C50C-407E-A947-70E740481C1C}">
+                <a14:useLocalDpi xmlns:a14="http://schemas.microsoft.com/office/drawing/2010/main" xmlns="" val="0"/>
+              </a:ext>
+            </a:extLst>
+          </a:blip>
+          <a:stretch>
+            <a:fillRect/>
+          </a:stretch>
+        </p:blipFill>
+        <p:spPr>
+          <a:xfrm>
+            <a:off x="2622745" y="1690688"/>
+            <a:ext cx="6946509" cy="4873386"/>
+          </a:xfrm>
+        </p:spPr>
+      </p:pic>
+    </p:spTree>
+    <p:extLst>
+      <p:ext uri="{BB962C8B-B14F-4D97-AF65-F5344CB8AC3E}">
+        <p14:creationId xmlns:p14="http://schemas.microsoft.com/office/powerpoint/2010/main" xmlns="" val="4151527274"/>
       </p:ext>
     </p:extLst>
   </p:cSld>
@@ -3480,7 +3598,7 @@
           <p:cNvPr id="2" name="Заголовок 1">
             <a:extLst>
               <a:ext uri="{FF2B5EF4-FFF2-40B4-BE49-F238E27FC236}">
-                <a16:creationId xmlns:a16="http://schemas.microsoft.com/office/drawing/2014/main" id="{D1B532BB-691E-4FB1-B141-CCA8F8014BB0}"/>
+                <a16:creationId xmlns:a16="http://schemas.microsoft.com/office/drawing/2014/main" xmlns="" id="{D1B532BB-691E-4FB1-B141-CCA8F8014BB0}"/>
               </a:ext>
             </a:extLst>
           </p:cNvPr>
@@ -3508,7 +3626,7 @@
           <p:cNvPr id="4" name="TextBox 3">
             <a:extLst>
               <a:ext uri="{FF2B5EF4-FFF2-40B4-BE49-F238E27FC236}">
-                <a16:creationId xmlns:a16="http://schemas.microsoft.com/office/drawing/2014/main" id="{54F11204-B559-48FE-AEFF-EEE8831CE4A8}"/>
+                <a16:creationId xmlns:a16="http://schemas.microsoft.com/office/drawing/2014/main" xmlns="" id="{54F11204-B559-48FE-AEFF-EEE8831CE4A8}"/>
               </a:ext>
             </a:extLst>
           </p:cNvPr>
@@ -3585,7 +3703,7 @@
           <p:cNvPr id="6" name="TextBox 5">
             <a:extLst>
               <a:ext uri="{FF2B5EF4-FFF2-40B4-BE49-F238E27FC236}">
-                <a16:creationId xmlns:a16="http://schemas.microsoft.com/office/drawing/2014/main" id="{A77AD209-C396-42E1-AAD5-816440DDE7F2}"/>
+                <a16:creationId xmlns:a16="http://schemas.microsoft.com/office/drawing/2014/main" xmlns="" id="{A77AD209-C396-42E1-AAD5-816440DDE7F2}"/>
               </a:ext>
             </a:extLst>
           </p:cNvPr>
@@ -3632,7 +3750,7 @@
     </p:spTree>
     <p:extLst>
       <p:ext uri="{BB962C8B-B14F-4D97-AF65-F5344CB8AC3E}">
-        <p14:creationId xmlns:p14="http://schemas.microsoft.com/office/powerpoint/2010/main" val="1141868490"/>
+        <p14:creationId xmlns:p14="http://schemas.microsoft.com/office/powerpoint/2010/main" xmlns="" val="1141868490"/>
       </p:ext>
     </p:extLst>
   </p:cSld>
@@ -3664,7 +3782,7 @@
           <p:cNvPr id="2" name="Заголовок 1">
             <a:extLst>
               <a:ext uri="{FF2B5EF4-FFF2-40B4-BE49-F238E27FC236}">
-                <a16:creationId xmlns:a16="http://schemas.microsoft.com/office/drawing/2014/main" id="{1B7843C9-584B-4465-A8A9-79DD9694B9FD}"/>
+                <a16:creationId xmlns:a16="http://schemas.microsoft.com/office/drawing/2014/main" xmlns="" id="{1B7843C9-584B-4465-A8A9-79DD9694B9FD}"/>
               </a:ext>
             </a:extLst>
           </p:cNvPr>
@@ -3692,7 +3810,7 @@
           <p:cNvPr id="9" name="Объект 8">
             <a:extLst>
               <a:ext uri="{FF2B5EF4-FFF2-40B4-BE49-F238E27FC236}">
-                <a16:creationId xmlns:a16="http://schemas.microsoft.com/office/drawing/2014/main" id="{6B7CD604-FE95-446A-813F-A80054D54FD0}"/>
+                <a16:creationId xmlns:a16="http://schemas.microsoft.com/office/drawing/2014/main" xmlns="" id="{6B7CD604-FE95-446A-813F-A80054D54FD0}"/>
               </a:ext>
             </a:extLst>
           </p:cNvPr>
@@ -3704,10 +3822,10 @@
           </p:nvPr>
         </p:nvPicPr>
         <p:blipFill>
-          <a:blip r:embed="rId2">
+          <a:blip r:embed="rId2" cstate="print">
             <a:extLst>
               <a:ext uri="{28A0092B-C50C-407E-A947-70E740481C1C}">
-                <a14:useLocalDpi xmlns:a14="http://schemas.microsoft.com/office/drawing/2010/main" val="0"/>
+                <a14:useLocalDpi xmlns:a14="http://schemas.microsoft.com/office/drawing/2010/main" xmlns="" val="0"/>
               </a:ext>
             </a:extLst>
           </a:blip>
@@ -3725,7 +3843,7 @@
     </p:spTree>
     <p:extLst>
       <p:ext uri="{BB962C8B-B14F-4D97-AF65-F5344CB8AC3E}">
-        <p14:creationId xmlns:p14="http://schemas.microsoft.com/office/powerpoint/2010/main" val="3199276469"/>
+        <p14:creationId xmlns:p14="http://schemas.microsoft.com/office/powerpoint/2010/main" xmlns="" val="3199276469"/>
       </p:ext>
     </p:extLst>
   </p:cSld>
@@ -3757,7 +3875,7 @@
           <p:cNvPr id="2" name="Заголовок 1">
             <a:extLst>
               <a:ext uri="{FF2B5EF4-FFF2-40B4-BE49-F238E27FC236}">
-                <a16:creationId xmlns:a16="http://schemas.microsoft.com/office/drawing/2014/main" id="{016BAA9E-58E2-421C-9497-6D69F13B8AE1}"/>
+                <a16:creationId xmlns:a16="http://schemas.microsoft.com/office/drawing/2014/main" xmlns="" id="{1B7843C9-584B-4465-A8A9-79DD9694B9FD}"/>
               </a:ext>
             </a:extLst>
           </p:cNvPr>
@@ -3774,196 +3892,45 @@
           <a:lstStyle/>
           <a:p>
             <a:r>
-              <a:rPr lang="ru-RU" dirty="0"/>
-              <a:t>Пользовательский интерфейс</a:t>
-            </a:r>
+              <a:rPr lang="en-US" dirty="0" smtClean="0"/>
+              <a:t>IDEF0</a:t>
+            </a:r>
+            <a:endParaRPr lang="ru-RU" dirty="0"/>
           </a:p>
         </p:txBody>
       </p:sp>
       <p:pic>
         <p:nvPicPr>
-          <p:cNvPr id="5" name="Объект 4">
-            <a:extLst>
-              <a:ext uri="{FF2B5EF4-FFF2-40B4-BE49-F238E27FC236}">
-                <a16:creationId xmlns:a16="http://schemas.microsoft.com/office/drawing/2014/main" id="{36C66332-FF1C-491A-B211-0E9230B12BC9}"/>
-              </a:ext>
-            </a:extLst>
-          </p:cNvPr>
+          <p:cNvPr id="1026" name="Picture 2" descr="C:\Users\vladi\Downloads\IDFE0(first).drawio.png"/>
           <p:cNvPicPr>
-            <a:picLocks noGrp="1" noChangeAspect="1"/>
+            <a:picLocks noGrp="1" noChangeAspect="1" noChangeArrowheads="1"/>
           </p:cNvPicPr>
           <p:nvPr>
             <p:ph idx="1"/>
           </p:nvPr>
         </p:nvPicPr>
         <p:blipFill>
-          <a:blip r:embed="rId2"/>
+          <a:blip r:embed="rId2" cstate="print"/>
+          <a:srcRect/>
           <a:stretch>
             <a:fillRect/>
           </a:stretch>
         </p:blipFill>
-        <p:spPr>
+        <p:spPr bwMode="auto">
           <a:xfrm>
-            <a:off x="985531" y="1690688"/>
-            <a:ext cx="2551979" cy="1500187"/>
-          </a:xfrm>
-        </p:spPr>
-      </p:pic>
-      <p:sp>
-        <p:nvSpPr>
-          <p:cNvPr id="6" name="TextBox 5">
-            <a:extLst>
-              <a:ext uri="{FF2B5EF4-FFF2-40B4-BE49-F238E27FC236}">
-                <a16:creationId xmlns:a16="http://schemas.microsoft.com/office/drawing/2014/main" id="{4FDD1BC4-D56B-46C1-8E58-2038F14ACFC4}"/>
-              </a:ext>
-            </a:extLst>
-          </p:cNvPr>
-          <p:cNvSpPr txBox="1"/>
-          <p:nvPr/>
-        </p:nvSpPr>
-        <p:spPr>
-          <a:xfrm>
-            <a:off x="838201" y="3505200"/>
-            <a:ext cx="5029200" cy="1477328"/>
+            <a:off x="1715250" y="1363851"/>
+            <a:ext cx="7994501" cy="4813112"/>
           </a:xfrm>
           <a:prstGeom prst="rect">
             <a:avLst/>
           </a:prstGeom>
           <a:noFill/>
         </p:spPr>
-        <p:txBody>
-          <a:bodyPr wrap="square" rtlCol="0">
-            <a:spAutoFit/>
-          </a:bodyPr>
-          <a:lstStyle/>
-          <a:p>
-            <a:r>
-              <a:rPr lang="ru-RU" dirty="0"/>
-              <a:t>Назначение клавиш:</a:t>
-            </a:r>
-            <a:br>
-              <a:rPr lang="ru-RU" dirty="0"/>
-            </a:br>
-            <a:r>
-              <a:rPr lang="ru-RU" dirty="0"/>
-              <a:t>1. </a:t>
-            </a:r>
-            <a:r>
-              <a:rPr lang="en-US" dirty="0"/>
-              <a:t>K1,K2,K3,K5,K6,K7,K9,K10,K11, K14 – </a:t>
-            </a:r>
-            <a:r>
-              <a:rPr lang="ru-RU" dirty="0"/>
-              <a:t>Числовая клавиатура (1,2,3,4,5,6,7,8,9,0 соответственно).</a:t>
-            </a:r>
-            <a:br>
-              <a:rPr lang="en-US" dirty="0"/>
-            </a:br>
-            <a:r>
-              <a:rPr lang="ru-RU" dirty="0"/>
-              <a:t>2. </a:t>
-            </a:r>
-            <a:r>
-              <a:rPr lang="en-US" dirty="0"/>
-              <a:t>K13</a:t>
-            </a:r>
-            <a:r>
-              <a:rPr lang="ru-RU" dirty="0"/>
-              <a:t> – Подтверждение ввода, запуск таймера.</a:t>
-            </a:r>
-            <a:br>
-              <a:rPr lang="en-US" dirty="0"/>
-            </a:br>
-            <a:r>
-              <a:rPr lang="ru-RU" dirty="0"/>
-              <a:t>3. </a:t>
-            </a:r>
-            <a:r>
-              <a:rPr lang="en-US" dirty="0"/>
-              <a:t>K15</a:t>
-            </a:r>
-            <a:r>
-              <a:rPr lang="ru-RU" dirty="0"/>
-              <a:t> – Сброс таймера (отмена).</a:t>
-            </a:r>
-          </a:p>
-        </p:txBody>
-      </p:sp>
-      <p:pic>
-        <p:nvPicPr>
-          <p:cNvPr id="8" name="Рисунок 7">
-            <a:extLst>
-              <a:ext uri="{FF2B5EF4-FFF2-40B4-BE49-F238E27FC236}">
-                <a16:creationId xmlns:a16="http://schemas.microsoft.com/office/drawing/2014/main" id="{85D2FD3B-A828-495D-AB66-76265C3CBD07}"/>
-              </a:ext>
-            </a:extLst>
-          </p:cNvPr>
-          <p:cNvPicPr>
-            <a:picLocks noChangeAspect="1"/>
-          </p:cNvPicPr>
-          <p:nvPr/>
-        </p:nvPicPr>
-        <p:blipFill>
-          <a:blip r:embed="rId3">
-            <a:extLst>
-              <a:ext uri="{28A0092B-C50C-407E-A947-70E740481C1C}">
-                <a14:useLocalDpi xmlns:a14="http://schemas.microsoft.com/office/drawing/2010/main" val="0"/>
-              </a:ext>
-            </a:extLst>
-          </a:blip>
-          <a:stretch>
-            <a:fillRect/>
-          </a:stretch>
-        </p:blipFill>
-        <p:spPr>
-          <a:xfrm>
-            <a:off x="6324601" y="3897035"/>
-            <a:ext cx="4656772" cy="2328386"/>
-          </a:xfrm>
-          <a:prstGeom prst="rect">
-            <a:avLst/>
-          </a:prstGeom>
-        </p:spPr>
       </p:pic>
-      <p:sp>
-        <p:nvSpPr>
-          <p:cNvPr id="9" name="TextBox 8">
-            <a:extLst>
-              <a:ext uri="{FF2B5EF4-FFF2-40B4-BE49-F238E27FC236}">
-                <a16:creationId xmlns:a16="http://schemas.microsoft.com/office/drawing/2014/main" id="{15C42107-6B6A-4F57-B5BC-372177D51396}"/>
-              </a:ext>
-            </a:extLst>
-          </p:cNvPr>
-          <p:cNvSpPr txBox="1"/>
-          <p:nvPr/>
-        </p:nvSpPr>
-        <p:spPr>
-          <a:xfrm>
-            <a:off x="6324601" y="3429000"/>
-            <a:ext cx="4656772" cy="369332"/>
-          </a:xfrm>
-          <a:prstGeom prst="rect">
-            <a:avLst/>
-          </a:prstGeom>
-          <a:noFill/>
-        </p:spPr>
-        <p:txBody>
-          <a:bodyPr wrap="square" rtlCol="0">
-            <a:spAutoFit/>
-          </a:bodyPr>
-          <a:lstStyle/>
-          <a:p>
-            <a:r>
-              <a:rPr lang="ru-RU" dirty="0"/>
-              <a:t>Примерный вид отображения на экране.</a:t>
-            </a:r>
-          </a:p>
-        </p:txBody>
-      </p:sp>
     </p:spTree>
     <p:extLst>
       <p:ext uri="{BB962C8B-B14F-4D97-AF65-F5344CB8AC3E}">
-        <p14:creationId xmlns:p14="http://schemas.microsoft.com/office/powerpoint/2010/main" val="3614542925"/>
+        <p14:creationId xmlns:p14="http://schemas.microsoft.com/office/powerpoint/2010/main" xmlns="" val="3199276469"/>
       </p:ext>
     </p:extLst>
   </p:cSld>
@@ -3995,7 +3962,7 @@
           <p:cNvPr id="2" name="Заголовок 1">
             <a:extLst>
               <a:ext uri="{FF2B5EF4-FFF2-40B4-BE49-F238E27FC236}">
-                <a16:creationId xmlns:a16="http://schemas.microsoft.com/office/drawing/2014/main" id="{6CA152B0-D82D-4A0D-8DC4-6B323F1B71C0}"/>
+                <a16:creationId xmlns:a16="http://schemas.microsoft.com/office/drawing/2014/main" xmlns="" id="{016BAA9E-58E2-421C-9497-6D69F13B8AE1}"/>
               </a:ext>
             </a:extLst>
           </p:cNvPr>
@@ -4013,135 +3980,203 @@
           <a:p>
             <a:r>
               <a:rPr lang="ru-RU" dirty="0"/>
-              <a:t>Основные требования</a:t>
-            </a:r>
-          </a:p>
-        </p:txBody>
-      </p:sp>
-      <p:sp>
-        <p:nvSpPr>
-          <p:cNvPr id="3" name="Объект 2">
-            <a:extLst>
-              <a:ext uri="{FF2B5EF4-FFF2-40B4-BE49-F238E27FC236}">
-                <a16:creationId xmlns:a16="http://schemas.microsoft.com/office/drawing/2014/main" id="{61253B6D-F097-4003-896E-E1E219D23024}"/>
-              </a:ext>
-            </a:extLst>
-          </p:cNvPr>
-          <p:cNvSpPr>
-            <a:spLocks noGrp="1"/>
-          </p:cNvSpPr>
+              <a:t>Пользовательский интерфейс</a:t>
+            </a:r>
+          </a:p>
+        </p:txBody>
+      </p:sp>
+      <p:pic>
+        <p:nvPicPr>
+          <p:cNvPr id="5" name="Объект 4">
+            <a:extLst>
+              <a:ext uri="{FF2B5EF4-FFF2-40B4-BE49-F238E27FC236}">
+                <a16:creationId xmlns:a16="http://schemas.microsoft.com/office/drawing/2014/main" xmlns="" id="{36C66332-FF1C-491A-B211-0E9230B12BC9}"/>
+              </a:ext>
+            </a:extLst>
+          </p:cNvPr>
+          <p:cNvPicPr>
+            <a:picLocks noGrp="1" noChangeAspect="1"/>
+          </p:cNvPicPr>
           <p:nvPr>
             <p:ph idx="1"/>
           </p:nvPr>
-        </p:nvSpPr>
+        </p:nvPicPr>
+        <p:blipFill>
+          <a:blip r:embed="rId2" cstate="print"/>
+          <a:stretch>
+            <a:fillRect/>
+          </a:stretch>
+        </p:blipFill>
         <p:spPr>
           <a:xfrm>
-            <a:off x="838199" y="1825625"/>
-            <a:ext cx="10734675" cy="4351338"/>
+            <a:off x="985531" y="1690688"/>
+            <a:ext cx="2551979" cy="1500187"/>
           </a:xfrm>
         </p:spPr>
-        <p:txBody>
-          <a:bodyPr/>
+      </p:pic>
+      <p:sp>
+        <p:nvSpPr>
+          <p:cNvPr id="6" name="TextBox 5">
+            <a:extLst>
+              <a:ext uri="{FF2B5EF4-FFF2-40B4-BE49-F238E27FC236}">
+                <a16:creationId xmlns:a16="http://schemas.microsoft.com/office/drawing/2014/main" xmlns="" id="{4FDD1BC4-D56B-46C1-8E58-2038F14ACFC4}"/>
+              </a:ext>
+            </a:extLst>
+          </p:cNvPr>
+          <p:cNvSpPr txBox="1"/>
+          <p:nvPr/>
+        </p:nvSpPr>
+        <p:spPr>
+          <a:xfrm>
+            <a:off x="838201" y="3505200"/>
+            <a:ext cx="5029200" cy="1477328"/>
+          </a:xfrm>
+          <a:prstGeom prst="rect">
+            <a:avLst/>
+          </a:prstGeom>
+          <a:noFill/>
+        </p:spPr>
+        <p:txBody>
+          <a:bodyPr wrap="square" rtlCol="0">
+            <a:spAutoFit/>
+          </a:bodyPr>
           <a:lstStyle/>
           <a:p>
             <a:r>
               <a:rPr lang="ru-RU" dirty="0"/>
-              <a:t>Входы - </a:t>
-            </a:r>
-            <a:r>
-              <a:rPr lang="ru-RU" sz="2400" dirty="0"/>
-              <a:t>12 Кнопок(Числовая клавиатура, запуск и  сброс таймера).</a:t>
-            </a:r>
-          </a:p>
-          <a:p>
-            <a:r>
+              <a:t>Назначение клавиш:</a:t>
+            </a:r>
+            <a:br>
               <a:rPr lang="ru-RU" dirty="0"/>
-              <a:t>Выходы – </a:t>
-            </a:r>
-            <a:r>
-              <a:rPr lang="ru-RU" sz="2400" dirty="0"/>
-              <a:t>Индикация 5 цифр в виде таймера вида </a:t>
-            </a:r>
-            <a:r>
-              <a:rPr lang="en-US" sz="2400" dirty="0"/>
-              <a:t>MM:SS.s</a:t>
-            </a:r>
-            <a:r>
-              <a:rPr lang="ru-RU" sz="2400" dirty="0"/>
-              <a:t> (</a:t>
-            </a:r>
-            <a:r>
-              <a:rPr lang="en-US" sz="2400" dirty="0"/>
-              <a:t>M – </a:t>
-            </a:r>
-            <a:r>
-              <a:rPr lang="ru-RU" sz="2400" dirty="0"/>
-              <a:t>минуты, </a:t>
-            </a:r>
-            <a:r>
-              <a:rPr lang="en-US" sz="2400" dirty="0"/>
-              <a:t>S – </a:t>
-            </a:r>
-            <a:r>
-              <a:rPr lang="ru-RU" sz="2400" dirty="0"/>
-              <a:t>секунды, </a:t>
-            </a:r>
-            <a:r>
-              <a:rPr lang="en-US" sz="2400" dirty="0"/>
-              <a:t>s – </a:t>
-            </a:r>
-            <a:r>
-              <a:rPr lang="ru-RU" sz="2400" dirty="0"/>
-              <a:t>десятые доли секунды)</a:t>
-            </a:r>
-            <a:r>
-              <a:rPr lang="en-US" sz="2400" dirty="0"/>
-              <a:t>; </a:t>
-            </a:r>
-            <a:r>
-              <a:rPr lang="ru-RU" sz="2400" dirty="0"/>
-              <a:t>Зуммер; Светодиод.</a:t>
-            </a:r>
-          </a:p>
-          <a:p>
+            </a:br>
             <a:r>
               <a:rPr lang="ru-RU" dirty="0"/>
-              <a:t>Функции – </a:t>
-            </a:r>
-            <a:r>
-              <a:rPr lang="ru-RU" sz="2400" dirty="0"/>
-              <a:t>Режим по умолчанию: отображается таймер со значением времени 00:00.0</a:t>
-            </a:r>
-            <a:r>
-              <a:rPr lang="en-US" sz="2400" dirty="0"/>
-              <a:t>. </a:t>
-            </a:r>
-            <a:r>
-              <a:rPr lang="ru-RU" sz="2400" dirty="0"/>
-              <a:t>При нажатии на числовую клавиатуру таймер постепенно заполняется введенными значениями. </a:t>
+              <a:t>1. </a:t>
+            </a:r>
+            <a:r>
+              <a:rPr lang="en-US" dirty="0"/>
+              <a:t>K1,K2,K3,K5,K6,K7,K9,K10,K11, K14 – </a:t>
+            </a:r>
+            <a:r>
+              <a:rPr lang="ru-RU" dirty="0"/>
+              <a:t>Числовая клавиатура (1,2,3,4,5,6,7,8,9,0 соответственно).</a:t>
+            </a:r>
+            <a:r>
+              <a:rPr lang="en-US" dirty="0"/>
+              <a:t/>
             </a:r>
             <a:br>
-              <a:rPr lang="ru-RU" sz="2400" dirty="0"/>
+              <a:rPr lang="en-US" dirty="0"/>
             </a:br>
             <a:r>
-              <a:rPr lang="ru-RU" sz="2400" dirty="0"/>
-              <a:t>При нажатии на кнопку запуска начинается обратный отсчет, каждую 0.1 секунды экран обновляет свое значение времени, мигает светодиод. При окончании обратного отчета включается зуммер.</a:t>
+              <a:rPr lang="ru-RU" dirty="0"/>
+              <a:t>2. </a:t>
+            </a:r>
+            <a:r>
+              <a:rPr lang="en-US" dirty="0"/>
+              <a:t>K13</a:t>
+            </a:r>
+            <a:r>
+              <a:rPr lang="ru-RU" dirty="0"/>
+              <a:t> – Подтверждение ввода, запуск таймера.</a:t>
+            </a:r>
+            <a:r>
+              <a:rPr lang="en-US" dirty="0"/>
+              <a:t/>
             </a:r>
             <a:br>
-              <a:rPr lang="ru-RU" sz="2400" dirty="0"/>
+              <a:rPr lang="en-US" dirty="0"/>
             </a:br>
             <a:r>
-              <a:rPr lang="ru-RU" sz="2400" dirty="0"/>
-              <a:t>Для отмены обратного отчета или сброса введенных значений необходимо нажать кнопку сброса.</a:t>
-            </a:r>
-            <a:endParaRPr lang="ru-RU" dirty="0"/>
+              <a:rPr lang="ru-RU" dirty="0"/>
+              <a:t>3. </a:t>
+            </a:r>
+            <a:r>
+              <a:rPr lang="en-US" dirty="0"/>
+              <a:t>K15</a:t>
+            </a:r>
+            <a:r>
+              <a:rPr lang="ru-RU" dirty="0"/>
+              <a:t> – Сброс таймера (отмена).</a:t>
+            </a:r>
+          </a:p>
+        </p:txBody>
+      </p:sp>
+      <p:pic>
+        <p:nvPicPr>
+          <p:cNvPr id="8" name="Рисунок 7">
+            <a:extLst>
+              <a:ext uri="{FF2B5EF4-FFF2-40B4-BE49-F238E27FC236}">
+                <a16:creationId xmlns:a16="http://schemas.microsoft.com/office/drawing/2014/main" xmlns="" id="{85D2FD3B-A828-495D-AB66-76265C3CBD07}"/>
+              </a:ext>
+            </a:extLst>
+          </p:cNvPr>
+          <p:cNvPicPr>
+            <a:picLocks noChangeAspect="1"/>
+          </p:cNvPicPr>
+          <p:nvPr/>
+        </p:nvPicPr>
+        <p:blipFill>
+          <a:blip r:embed="rId3" cstate="print">
+            <a:extLst>
+              <a:ext uri="{28A0092B-C50C-407E-A947-70E740481C1C}">
+                <a14:useLocalDpi xmlns:a14="http://schemas.microsoft.com/office/drawing/2010/main" xmlns="" val="0"/>
+              </a:ext>
+            </a:extLst>
+          </a:blip>
+          <a:stretch>
+            <a:fillRect/>
+          </a:stretch>
+        </p:blipFill>
+        <p:spPr>
+          <a:xfrm>
+            <a:off x="6324601" y="3897035"/>
+            <a:ext cx="4656772" cy="2328386"/>
+          </a:xfrm>
+          <a:prstGeom prst="rect">
+            <a:avLst/>
+          </a:prstGeom>
+        </p:spPr>
+      </p:pic>
+      <p:sp>
+        <p:nvSpPr>
+          <p:cNvPr id="9" name="TextBox 8">
+            <a:extLst>
+              <a:ext uri="{FF2B5EF4-FFF2-40B4-BE49-F238E27FC236}">
+                <a16:creationId xmlns:a16="http://schemas.microsoft.com/office/drawing/2014/main" xmlns="" id="{15C42107-6B6A-4F57-B5BC-372177D51396}"/>
+              </a:ext>
+            </a:extLst>
+          </p:cNvPr>
+          <p:cNvSpPr txBox="1"/>
+          <p:nvPr/>
+        </p:nvSpPr>
+        <p:spPr>
+          <a:xfrm>
+            <a:off x="6324601" y="3429000"/>
+            <a:ext cx="4656772" cy="369332"/>
+          </a:xfrm>
+          <a:prstGeom prst="rect">
+            <a:avLst/>
+          </a:prstGeom>
+          <a:noFill/>
+        </p:spPr>
+        <p:txBody>
+          <a:bodyPr wrap="square" rtlCol="0">
+            <a:spAutoFit/>
+          </a:bodyPr>
+          <a:lstStyle/>
+          <a:p>
+            <a:r>
+              <a:rPr lang="ru-RU" dirty="0"/>
+              <a:t>Примерный вид отображения на экране.</a:t>
+            </a:r>
           </a:p>
         </p:txBody>
       </p:sp>
     </p:spTree>
     <p:extLst>
       <p:ext uri="{BB962C8B-B14F-4D97-AF65-F5344CB8AC3E}">
-        <p14:creationId xmlns:p14="http://schemas.microsoft.com/office/powerpoint/2010/main" val="1625933356"/>
+        <p14:creationId xmlns:p14="http://schemas.microsoft.com/office/powerpoint/2010/main" xmlns="" val="3614542925"/>
       </p:ext>
     </p:extLst>
   </p:cSld>
@@ -4173,7 +4208,7 @@
           <p:cNvPr id="2" name="Заголовок 1">
             <a:extLst>
               <a:ext uri="{FF2B5EF4-FFF2-40B4-BE49-F238E27FC236}">
-                <a16:creationId xmlns:a16="http://schemas.microsoft.com/office/drawing/2014/main" id="{CD723C7F-301E-456C-972B-1A045C32214F}"/>
+                <a16:creationId xmlns:a16="http://schemas.microsoft.com/office/drawing/2014/main" xmlns="" id="{6CA152B0-D82D-4A0D-8DC4-6B323F1B71C0}"/>
               </a:ext>
             </a:extLst>
           </p:cNvPr>
@@ -4182,65 +4217,144 @@
           </p:cNvSpPr>
           <p:nvPr>
             <p:ph type="title"/>
+          </p:nvPr>
+        </p:nvSpPr>
+        <p:spPr/>
+        <p:txBody>
+          <a:bodyPr/>
+          <a:lstStyle/>
+          <a:p>
+            <a:r>
+              <a:rPr lang="ru-RU" dirty="0"/>
+              <a:t>Основные требования</a:t>
+            </a:r>
+          </a:p>
+        </p:txBody>
+      </p:sp>
+      <p:sp>
+        <p:nvSpPr>
+          <p:cNvPr id="3" name="Объект 2">
+            <a:extLst>
+              <a:ext uri="{FF2B5EF4-FFF2-40B4-BE49-F238E27FC236}">
+                <a16:creationId xmlns:a16="http://schemas.microsoft.com/office/drawing/2014/main" xmlns="" id="{61253B6D-F097-4003-896E-E1E219D23024}"/>
+              </a:ext>
+            </a:extLst>
+          </p:cNvPr>
+          <p:cNvSpPr>
+            <a:spLocks noGrp="1"/>
+          </p:cNvSpPr>
+          <p:nvPr>
+            <p:ph idx="1"/>
           </p:nvPr>
         </p:nvSpPr>
         <p:spPr>
           <a:xfrm>
-            <a:off x="371475" y="146050"/>
-            <a:ext cx="10515600" cy="1325563"/>
+            <a:off x="838199" y="1825625"/>
+            <a:ext cx="10734675" cy="4351338"/>
           </a:xfrm>
         </p:spPr>
         <p:txBody>
-          <a:bodyPr>
-            <a:normAutofit/>
-          </a:bodyPr>
-          <a:lstStyle/>
-          <a:p>
-            <a:r>
-              <a:rPr lang="ru-RU" sz="3600" dirty="0"/>
-              <a:t>Диаграмма последовательности взаимодействия</a:t>
-            </a:r>
-          </a:p>
-        </p:txBody>
-      </p:sp>
-      <p:pic>
-        <p:nvPicPr>
-          <p:cNvPr id="5" name="Объект 4">
-            <a:extLst>
-              <a:ext uri="{FF2B5EF4-FFF2-40B4-BE49-F238E27FC236}">
-                <a16:creationId xmlns:a16="http://schemas.microsoft.com/office/drawing/2014/main" id="{FED5EB92-0AA4-4B2E-B7A8-64CB76DFA116}"/>
-              </a:ext>
-            </a:extLst>
-          </p:cNvPr>
-          <p:cNvPicPr>
-            <a:picLocks noGrp="1" noChangeAspect="1"/>
-          </p:cNvPicPr>
-          <p:nvPr>
-            <p:ph idx="1"/>
-          </p:nvPr>
-        </p:nvPicPr>
-        <p:blipFill rotWithShape="1">
-          <a:blip r:embed="rId2">
-            <a:extLst>
-              <a:ext uri="{28A0092B-C50C-407E-A947-70E740481C1C}">
-                <a14:useLocalDpi xmlns:a14="http://schemas.microsoft.com/office/drawing/2010/main" val="0"/>
-              </a:ext>
-            </a:extLst>
-          </a:blip>
-          <a:srcRect b="56804"/>
-          <a:stretch/>
-        </p:blipFill>
-        <p:spPr>
-          <a:xfrm>
-            <a:off x="2971936" y="1266825"/>
-            <a:ext cx="6248127" cy="5152513"/>
-          </a:xfrm>
-        </p:spPr>
-      </p:pic>
+          <a:bodyPr/>
+          <a:lstStyle/>
+          <a:p>
+            <a:r>
+              <a:rPr lang="ru-RU" dirty="0"/>
+              <a:t>Входы - </a:t>
+            </a:r>
+            <a:r>
+              <a:rPr lang="ru-RU" sz="2400" dirty="0"/>
+              <a:t>12 Кнопок(Числовая клавиатура, запуск и  сброс таймера).</a:t>
+            </a:r>
+          </a:p>
+          <a:p>
+            <a:r>
+              <a:rPr lang="ru-RU" dirty="0"/>
+              <a:t>Выходы – </a:t>
+            </a:r>
+            <a:r>
+              <a:rPr lang="ru-RU" sz="2400" dirty="0"/>
+              <a:t>Индикация 5 цифр в виде таймера вида </a:t>
+            </a:r>
+            <a:r>
+              <a:rPr lang="en-US" sz="2400" dirty="0"/>
+              <a:t>MM:SS.s</a:t>
+            </a:r>
+            <a:r>
+              <a:rPr lang="ru-RU" sz="2400" dirty="0"/>
+              <a:t> (</a:t>
+            </a:r>
+            <a:r>
+              <a:rPr lang="en-US" sz="2400" dirty="0"/>
+              <a:t>M – </a:t>
+            </a:r>
+            <a:r>
+              <a:rPr lang="ru-RU" sz="2400" dirty="0"/>
+              <a:t>минуты, </a:t>
+            </a:r>
+            <a:r>
+              <a:rPr lang="en-US" sz="2400" dirty="0"/>
+              <a:t>S – </a:t>
+            </a:r>
+            <a:r>
+              <a:rPr lang="ru-RU" sz="2400" dirty="0"/>
+              <a:t>секунды, </a:t>
+            </a:r>
+            <a:r>
+              <a:rPr lang="en-US" sz="2400" dirty="0"/>
+              <a:t>s – </a:t>
+            </a:r>
+            <a:r>
+              <a:rPr lang="ru-RU" sz="2400" dirty="0"/>
+              <a:t>десятые доли секунды)</a:t>
+            </a:r>
+            <a:r>
+              <a:rPr lang="en-US" sz="2400" dirty="0"/>
+              <a:t>; </a:t>
+            </a:r>
+            <a:r>
+              <a:rPr lang="ru-RU" sz="2400" dirty="0"/>
+              <a:t>Зуммер; Светодиод.</a:t>
+            </a:r>
+          </a:p>
+          <a:p>
+            <a:r>
+              <a:rPr lang="ru-RU" dirty="0"/>
+              <a:t>Функции – </a:t>
+            </a:r>
+            <a:r>
+              <a:rPr lang="ru-RU" sz="2400" dirty="0"/>
+              <a:t>Режим по умолчанию: отображается таймер со значением времени 00:00.0</a:t>
+            </a:r>
+            <a:r>
+              <a:rPr lang="en-US" sz="2400" dirty="0"/>
+              <a:t>. </a:t>
+            </a:r>
+            <a:r>
+              <a:rPr lang="ru-RU" sz="2400" dirty="0"/>
+              <a:t>При нажатии на числовую клавиатуру таймер постепенно заполняется введенными значениями. </a:t>
+            </a:r>
+            <a:br>
+              <a:rPr lang="ru-RU" sz="2400" dirty="0"/>
+            </a:br>
+            <a:r>
+              <a:rPr lang="ru-RU" sz="2400" dirty="0"/>
+              <a:t>При нажатии на кнопку запуска начинается обратный отсчет, каждую 0.1 секунды экран обновляет свое значение времени, мигает светодиод. При окончании обратного отчета включается зуммер.</a:t>
+            </a:r>
+            <a:br>
+              <a:rPr lang="ru-RU" sz="2400" dirty="0"/>
+            </a:br>
+            <a:r>
+              <a:rPr lang="ru-RU" sz="2400" dirty="0"/>
+              <a:t>Для отмены обратного отчета или сброса введенных значений необходимо нажать кнопку сброса.</a:t>
+            </a:r>
+            <a:endParaRPr lang="ru-RU" dirty="0"/>
+          </a:p>
+        </p:txBody>
+      </p:sp>
     </p:spTree>
     <p:extLst>
       <p:ext uri="{BB962C8B-B14F-4D97-AF65-F5344CB8AC3E}">
-        <p14:creationId xmlns:p14="http://schemas.microsoft.com/office/powerpoint/2010/main" val="2609377440"/>
+        <p14:creationId xmlns:p14="http://schemas.microsoft.com/office/powerpoint/2010/main" xmlns="" val="1625933356"/>
       </p:ext>
     </p:extLst>
   </p:cSld>
@@ -4272,7 +4386,7 @@
           <p:cNvPr id="2" name="Заголовок 1">
             <a:extLst>
               <a:ext uri="{FF2B5EF4-FFF2-40B4-BE49-F238E27FC236}">
-                <a16:creationId xmlns:a16="http://schemas.microsoft.com/office/drawing/2014/main" id="{CD723C7F-301E-456C-972B-1A045C32214F}"/>
+                <a16:creationId xmlns:a16="http://schemas.microsoft.com/office/drawing/2014/main" xmlns="" id="{CD723C7F-301E-456C-972B-1A045C32214F}"/>
               </a:ext>
             </a:extLst>
           </p:cNvPr>
@@ -4304,10 +4418,10 @@
       </p:sp>
       <p:pic>
         <p:nvPicPr>
-          <p:cNvPr id="7" name="Объект 6">
-            <a:extLst>
-              <a:ext uri="{FF2B5EF4-FFF2-40B4-BE49-F238E27FC236}">
-                <a16:creationId xmlns:a16="http://schemas.microsoft.com/office/drawing/2014/main" id="{52630E0C-9825-4E45-B482-B3A563B3CAE8}"/>
+          <p:cNvPr id="5" name="Объект 4">
+            <a:extLst>
+              <a:ext uri="{FF2B5EF4-FFF2-40B4-BE49-F238E27FC236}">
+                <a16:creationId xmlns:a16="http://schemas.microsoft.com/office/drawing/2014/main" xmlns="" id="{FED5EB92-0AA4-4B2E-B7A8-64CB76DFA116}"/>
               </a:ext>
             </a:extLst>
           </p:cNvPr>
@@ -4319,27 +4433,27 @@
           </p:nvPr>
         </p:nvPicPr>
         <p:blipFill rotWithShape="1">
-          <a:blip r:embed="rId2">
+          <a:blip r:embed="rId2" cstate="print">
             <a:extLst>
               <a:ext uri="{28A0092B-C50C-407E-A947-70E740481C1C}">
-                <a14:useLocalDpi xmlns:a14="http://schemas.microsoft.com/office/drawing/2010/main" val="0"/>
+                <a14:useLocalDpi xmlns:a14="http://schemas.microsoft.com/office/drawing/2010/main" xmlns="" val="0"/>
               </a:ext>
             </a:extLst>
           </a:blip>
-          <a:srcRect t="42758"/>
+          <a:srcRect b="56804"/>
           <a:stretch/>
         </p:blipFill>
         <p:spPr>
           <a:xfrm>
-            <a:off x="3124200" y="1070474"/>
-            <a:ext cx="5162406" cy="5641476"/>
+            <a:off x="2971936" y="1266825"/>
+            <a:ext cx="6248127" cy="5152513"/>
           </a:xfrm>
         </p:spPr>
       </p:pic>
     </p:spTree>
     <p:extLst>
       <p:ext uri="{BB962C8B-B14F-4D97-AF65-F5344CB8AC3E}">
-        <p14:creationId xmlns:p14="http://schemas.microsoft.com/office/powerpoint/2010/main" val="2849600898"/>
+        <p14:creationId xmlns:p14="http://schemas.microsoft.com/office/powerpoint/2010/main" xmlns="" val="2609377440"/>
       </p:ext>
     </p:extLst>
   </p:cSld>
@@ -4371,7 +4485,7 @@
           <p:cNvPr id="2" name="Заголовок 1">
             <a:extLst>
               <a:ext uri="{FF2B5EF4-FFF2-40B4-BE49-F238E27FC236}">
-                <a16:creationId xmlns:a16="http://schemas.microsoft.com/office/drawing/2014/main" id="{5D373DEE-052F-4715-B7CF-168757FBDA23}"/>
+                <a16:creationId xmlns:a16="http://schemas.microsoft.com/office/drawing/2014/main" xmlns="" id="{CD723C7F-301E-456C-972B-1A045C32214F}"/>
               </a:ext>
             </a:extLst>
           </p:cNvPr>
@@ -4382,35 +4496,12 @@
             <p:ph type="title"/>
           </p:nvPr>
         </p:nvSpPr>
-        <p:spPr/>
-        <p:txBody>
-          <a:bodyPr/>
-          <a:lstStyle/>
-          <a:p>
-            <a:r>
-              <a:rPr lang="ru-RU" dirty="0"/>
-              <a:t>Выводы по диаграмме</a:t>
-            </a:r>
-          </a:p>
-        </p:txBody>
-      </p:sp>
-      <p:sp>
-        <p:nvSpPr>
-          <p:cNvPr id="3" name="Объект 2">
-            <a:extLst>
-              <a:ext uri="{FF2B5EF4-FFF2-40B4-BE49-F238E27FC236}">
-                <a16:creationId xmlns:a16="http://schemas.microsoft.com/office/drawing/2014/main" id="{84F822B5-4B5F-4C5E-B946-AE7653F103E0}"/>
-              </a:ext>
-            </a:extLst>
-          </p:cNvPr>
-          <p:cNvSpPr>
-            <a:spLocks noGrp="1"/>
-          </p:cNvSpPr>
-          <p:nvPr>
-            <p:ph idx="1"/>
-          </p:nvPr>
-        </p:nvSpPr>
-        <p:spPr/>
+        <p:spPr>
+          <a:xfrm>
+            <a:off x="371475" y="146050"/>
+            <a:ext cx="10515600" cy="1325563"/>
+          </a:xfrm>
+        </p:spPr>
         <p:txBody>
           <a:bodyPr>
             <a:normAutofit/>
@@ -4418,28 +4509,50 @@
           <a:lstStyle/>
           <a:p>
             <a:r>
-              <a:rPr lang="ru-RU" dirty="0"/>
-              <a:t> Необходимо использовать прерывания для инициации обработки нажатия кнопок. Каждая кнопка ( -9 будет присоединена к соответствующей линии (PA0 – PA9).</a:t>
-            </a:r>
-          </a:p>
-          <a:p>
-            <a:r>
-              <a:rPr lang="ru-RU" dirty="0"/>
-              <a:t>Необходим таймер для отсчета времени. Для этого будем использовать системный таймер, счетчик задержки и обработчик прерываний системного таймера.</a:t>
-            </a:r>
-          </a:p>
-          <a:p>
-            <a:r>
-              <a:rPr lang="ru-RU" dirty="0"/>
-              <a:t>Для работы дисплея необходима настройка линий шины(интерфейса). </a:t>
-            </a:r>
-          </a:p>
-        </p:txBody>
-      </p:sp>
+              <a:rPr lang="ru-RU" sz="3600" dirty="0"/>
+              <a:t>Диаграмма последовательности взаимодействия</a:t>
+            </a:r>
+          </a:p>
+        </p:txBody>
+      </p:sp>
+      <p:pic>
+        <p:nvPicPr>
+          <p:cNvPr id="7" name="Объект 6">
+            <a:extLst>
+              <a:ext uri="{FF2B5EF4-FFF2-40B4-BE49-F238E27FC236}">
+                <a16:creationId xmlns:a16="http://schemas.microsoft.com/office/drawing/2014/main" xmlns="" id="{52630E0C-9825-4E45-B482-B3A563B3CAE8}"/>
+              </a:ext>
+            </a:extLst>
+          </p:cNvPr>
+          <p:cNvPicPr>
+            <a:picLocks noGrp="1" noChangeAspect="1"/>
+          </p:cNvPicPr>
+          <p:nvPr>
+            <p:ph idx="1"/>
+          </p:nvPr>
+        </p:nvPicPr>
+        <p:blipFill rotWithShape="1">
+          <a:blip r:embed="rId2" cstate="print">
+            <a:extLst>
+              <a:ext uri="{28A0092B-C50C-407E-A947-70E740481C1C}">
+                <a14:useLocalDpi xmlns:a14="http://schemas.microsoft.com/office/drawing/2010/main" xmlns="" val="0"/>
+              </a:ext>
+            </a:extLst>
+          </a:blip>
+          <a:srcRect t="42758"/>
+          <a:stretch/>
+        </p:blipFill>
+        <p:spPr>
+          <a:xfrm>
+            <a:off x="3124200" y="1070474"/>
+            <a:ext cx="5162406" cy="5641476"/>
+          </a:xfrm>
+        </p:spPr>
+      </p:pic>
     </p:spTree>
     <p:extLst>
       <p:ext uri="{BB962C8B-B14F-4D97-AF65-F5344CB8AC3E}">
-        <p14:creationId xmlns:p14="http://schemas.microsoft.com/office/powerpoint/2010/main" val="2940500409"/>
+        <p14:creationId xmlns:p14="http://schemas.microsoft.com/office/powerpoint/2010/main" xmlns="" val="2849600898"/>
       </p:ext>
     </p:extLst>
   </p:cSld>
@@ -4471,7 +4584,7 @@
           <p:cNvPr id="2" name="Заголовок 1">
             <a:extLst>
               <a:ext uri="{FF2B5EF4-FFF2-40B4-BE49-F238E27FC236}">
-                <a16:creationId xmlns:a16="http://schemas.microsoft.com/office/drawing/2014/main" id="{CA8057D8-2A5C-4D88-8F30-227562F13BFF}"/>
+                <a16:creationId xmlns:a16="http://schemas.microsoft.com/office/drawing/2014/main" xmlns="" id="{5D373DEE-052F-4715-B7CF-168757FBDA23}"/>
               </a:ext>
             </a:extLst>
           </p:cNvPr>
@@ -4489,50 +4602,57 @@
           <a:p>
             <a:r>
               <a:rPr lang="ru-RU" dirty="0"/>
-              <a:t>Диаграмма состояний системы</a:t>
-            </a:r>
-          </a:p>
-        </p:txBody>
-      </p:sp>
-      <p:pic>
-        <p:nvPicPr>
-          <p:cNvPr id="5" name="Объект 4">
-            <a:extLst>
-              <a:ext uri="{FF2B5EF4-FFF2-40B4-BE49-F238E27FC236}">
-                <a16:creationId xmlns:a16="http://schemas.microsoft.com/office/drawing/2014/main" id="{82B2F9F3-E17D-4B9C-86BB-24C4B3B0F31C}"/>
-              </a:ext>
-            </a:extLst>
-          </p:cNvPr>
-          <p:cNvPicPr>
-            <a:picLocks noGrp="1" noChangeAspect="1"/>
-          </p:cNvPicPr>
+              <a:t>Выводы по диаграмме</a:t>
+            </a:r>
+          </a:p>
+        </p:txBody>
+      </p:sp>
+      <p:sp>
+        <p:nvSpPr>
+          <p:cNvPr id="3" name="Объект 2">
+            <a:extLst>
+              <a:ext uri="{FF2B5EF4-FFF2-40B4-BE49-F238E27FC236}">
+                <a16:creationId xmlns:a16="http://schemas.microsoft.com/office/drawing/2014/main" xmlns="" id="{84F822B5-4B5F-4C5E-B946-AE7653F103E0}"/>
+              </a:ext>
+            </a:extLst>
+          </p:cNvPr>
+          <p:cNvSpPr>
+            <a:spLocks noGrp="1"/>
+          </p:cNvSpPr>
           <p:nvPr>
             <p:ph idx="1"/>
           </p:nvPr>
-        </p:nvPicPr>
-        <p:blipFill>
-          <a:blip r:embed="rId2">
-            <a:extLst>
-              <a:ext uri="{28A0092B-C50C-407E-A947-70E740481C1C}">
-                <a14:useLocalDpi xmlns:a14="http://schemas.microsoft.com/office/drawing/2010/main" val="0"/>
-              </a:ext>
-            </a:extLst>
-          </a:blip>
-          <a:stretch>
-            <a:fillRect/>
-          </a:stretch>
-        </p:blipFill>
-        <p:spPr>
-          <a:xfrm>
-            <a:off x="2622745" y="1690688"/>
-            <a:ext cx="6946509" cy="4873386"/>
-          </a:xfrm>
-        </p:spPr>
-      </p:pic>
+        </p:nvSpPr>
+        <p:spPr/>
+        <p:txBody>
+          <a:bodyPr>
+            <a:normAutofit/>
+          </a:bodyPr>
+          <a:lstStyle/>
+          <a:p>
+            <a:r>
+              <a:rPr lang="ru-RU" dirty="0"/>
+              <a:t> Необходимо использовать прерывания для инициации обработки нажатия кнопок. Каждая кнопка ( -9 будет присоединена к соответствующей линии (PA0 – PA9).</a:t>
+            </a:r>
+          </a:p>
+          <a:p>
+            <a:r>
+              <a:rPr lang="ru-RU" dirty="0"/>
+              <a:t>Необходим таймер для отсчета времени. Для этого будем использовать системный таймер, счетчик задержки и обработчик прерываний системного таймера.</a:t>
+            </a:r>
+          </a:p>
+          <a:p>
+            <a:r>
+              <a:rPr lang="ru-RU" dirty="0"/>
+              <a:t>Для работы дисплея необходима настройка линий шины(интерфейса). </a:t>
+            </a:r>
+          </a:p>
+        </p:txBody>
+      </p:sp>
     </p:spTree>
     <p:extLst>
       <p:ext uri="{BB962C8B-B14F-4D97-AF65-F5344CB8AC3E}">
-        <p14:creationId xmlns:p14="http://schemas.microsoft.com/office/powerpoint/2010/main" val="4151527274"/>
+        <p14:creationId xmlns:p14="http://schemas.microsoft.com/office/powerpoint/2010/main" xmlns="" val="2940500409"/>
       </p:ext>
     </p:extLst>
   </p:cSld>
@@ -4585,7 +4705,7 @@
     </a:clrScheme>
     <a:fontScheme name="Стандартная">
       <a:majorFont>
-        <a:latin typeface="Calibri Light" panose="020F0302020204030204"/>
+        <a:latin typeface="Calibri Light"/>
         <a:ea typeface=""/>
         <a:cs typeface=""/>
         <a:font script="Jpan" typeface="游ゴシック Light"/>
@@ -4637,7 +4757,7 @@
         <a:font script="Tfng" typeface="Ebrima"/>
       </a:majorFont>
       <a:minorFont>
-        <a:latin typeface="Calibri" panose="020F0502020204030204"/>
+        <a:latin typeface="Calibri"/>
         <a:ea typeface=""/>
         <a:cs typeface=""/>
         <a:font script="Jpan" typeface="游ゴシック"/>
@@ -4831,7 +4951,7 @@
   <a:extraClrSchemeLst/>
   <a:extLst>
     <a:ext uri="{05A4C25C-085E-4340-85A3-A5531E510DB2}">
-      <thm15:themeFamily xmlns:thm15="http://schemas.microsoft.com/office/thememl/2012/main" name="Office Theme" id="{62F939B6-93AF-4DB8-9C6B-D6C7DFDC589F}" vid="{4A3C46E8-61CC-4603-A589-7422A47A8E4A}"/>
+      <thm15:themeFamily xmlns:thm15="http://schemas.microsoft.com/office/thememl/2012/main" xmlns="" name="Office Theme" id="{62F939B6-93AF-4DB8-9C6B-D6C7DFDC589F}" vid="{4A3C46E8-61CC-4603-A589-7422A47A8E4A}"/>
     </a:ext>
   </a:extLst>
 </a:theme>
